--- a/卒業論文/2012/関口元基/卒論中間ポスター。.pptx
+++ b/卒業論文/2012/関口元基/卒論中間ポスター。.pptx
@@ -2014,7 +2014,15 @@
             <a:rPr kumimoji="1" lang="ja-JP" altLang="en-US" sz="3600" dirty="0" smtClean="0"/>
             <a:t>した変更や機能を追加する</a:t>
           </a:r>
-          <a:endParaRPr kumimoji="1" lang="ja-JP" altLang="en-US" sz="3600" dirty="0"/>
+          <a:r>
+            <a:rPr kumimoji="1" lang="ja-JP" altLang="en-US" sz="2800" dirty="0" smtClean="0"/>
+            <a:t>図</a:t>
+          </a:r>
+          <a:r>
+            <a:rPr kumimoji="1" lang="en-US" altLang="ja-JP" sz="2800" dirty="0" smtClean="0"/>
+            <a:t>ⅱ</a:t>
+          </a:r>
+          <a:endParaRPr kumimoji="1" lang="ja-JP" altLang="en-US" sz="2800" dirty="0"/>
         </a:p>
       </dgm:t>
     </dgm:pt>
@@ -2051,7 +2059,15 @@
             <a:rPr kumimoji="1" lang="ja-JP" altLang="en-US" sz="3600" dirty="0" smtClean="0"/>
             <a:t>リポジトリを公開すればだれでもそのリポジトリを複製して開発に参加できる</a:t>
           </a:r>
-          <a:endParaRPr kumimoji="1" lang="ja-JP" altLang="en-US" sz="3600" dirty="0"/>
+          <a:r>
+            <a:rPr kumimoji="1" lang="ja-JP" altLang="en-US" sz="2400" dirty="0" smtClean="0"/>
+            <a:t>図</a:t>
+          </a:r>
+          <a:r>
+            <a:rPr kumimoji="1" lang="en-US" altLang="ja-JP" sz="2400" dirty="0" smtClean="0"/>
+            <a:t>ⅰ</a:t>
+          </a:r>
+          <a:endParaRPr kumimoji="1" lang="ja-JP" altLang="en-US" sz="2400" dirty="0"/>
         </a:p>
       </dgm:t>
     </dgm:pt>
@@ -2088,6 +2104,13 @@
         </dgm:presLayoutVars>
       </dgm:prSet>
       <dgm:spPr/>
+      <dgm:t>
+        <a:bodyPr/>
+        <a:lstStyle/>
+        <a:p>
+          <a:endParaRPr kumimoji="1" lang="ja-JP" altLang="en-US"/>
+        </a:p>
+      </dgm:t>
     </dgm:pt>
     <dgm:pt modelId="{D9BB1854-DB91-4D68-872C-B6452EC562E9}" type="pres">
       <dgm:prSet presAssocID="{26340C4C-0B10-48FE-9B62-A25F00585FB0}" presName="composite" presStyleCnt="0"/>
@@ -2119,6 +2142,13 @@
         </dgm:presLayoutVars>
       </dgm:prSet>
       <dgm:spPr/>
+      <dgm:t>
+        <a:bodyPr/>
+        <a:lstStyle/>
+        <a:p>
+          <a:endParaRPr kumimoji="1" lang="ja-JP" altLang="en-US"/>
+        </a:p>
+      </dgm:t>
     </dgm:pt>
     <dgm:pt modelId="{3DBEA280-EC0A-440E-9703-BC6DCB4DCD55}" type="pres">
       <dgm:prSet presAssocID="{26340C4C-0B10-48FE-9B62-A25F00585FB0}" presName="Accent" presStyleLbl="parChTrans1D1" presStyleIdx="0" presStyleCnt="3"/>
@@ -2158,6 +2188,13 @@
         </dgm:presLayoutVars>
       </dgm:prSet>
       <dgm:spPr/>
+      <dgm:t>
+        <a:bodyPr/>
+        <a:lstStyle/>
+        <a:p>
+          <a:endParaRPr kumimoji="1" lang="ja-JP" altLang="en-US"/>
+        </a:p>
+      </dgm:t>
     </dgm:pt>
     <dgm:pt modelId="{76567BE9-36A1-4132-857A-2696522CF3A3}" type="pres">
       <dgm:prSet presAssocID="{E15D2953-23A6-4BA4-8A53-87C9E9D2A27C}" presName="Parent" presStyleLbl="alignNode1" presStyleIdx="1" presStyleCnt="3">
@@ -2168,6 +2205,13 @@
         </dgm:presLayoutVars>
       </dgm:prSet>
       <dgm:spPr/>
+      <dgm:t>
+        <a:bodyPr/>
+        <a:lstStyle/>
+        <a:p>
+          <a:endParaRPr kumimoji="1" lang="ja-JP" altLang="en-US"/>
+        </a:p>
+      </dgm:t>
     </dgm:pt>
     <dgm:pt modelId="{88FBB009-30B6-4550-89B4-0ED2983AD4CB}" type="pres">
       <dgm:prSet presAssocID="{E15D2953-23A6-4BA4-8A53-87C9E9D2A27C}" presName="Accent" presStyleLbl="parChTrans1D1" presStyleIdx="1" presStyleCnt="3"/>
@@ -2182,6 +2226,13 @@
         </dgm:presLayoutVars>
       </dgm:prSet>
       <dgm:spPr/>
+      <dgm:t>
+        <a:bodyPr/>
+        <a:lstStyle/>
+        <a:p>
+          <a:endParaRPr kumimoji="1" lang="ja-JP" altLang="en-US"/>
+        </a:p>
+      </dgm:t>
     </dgm:pt>
     <dgm:pt modelId="{F7329760-5E82-400E-A905-8ECD377B5EC3}" type="pres">
       <dgm:prSet presAssocID="{9E642A73-C0EC-4C5B-B495-FD0228B0D300}" presName="sibTrans" presStyleCnt="0"/>
@@ -2248,25 +2299,25 @@
     </dgm:pt>
   </dgm:ptLst>
   <dgm:cxnLst>
+    <dgm:cxn modelId="{22FC6A4E-C880-4E03-901F-DBB2558771EE}" type="presOf" srcId="{3C9E9866-480B-4171-B394-B46DF3CA5606}" destId="{F1A0F0B9-F24A-40DC-B150-D708C0E0FE4F}" srcOrd="0" destOrd="0" presId="urn:microsoft.com/office/officeart/2011/layout/TabList"/>
+    <dgm:cxn modelId="{8CEC66D1-DE6A-4679-8BF9-ECA5CEDC031C}" type="presOf" srcId="{C1EBEB7C-A52F-4822-A252-E48E830D4CE9}" destId="{850B5715-287A-47FB-B571-1C809992F9BF}" srcOrd="0" destOrd="0" presId="urn:microsoft.com/office/officeart/2011/layout/TabList"/>
+    <dgm:cxn modelId="{8B77AFD9-1085-49E9-A1F1-F8E781719861}" srcId="{AF38608E-556E-4D49-88BD-C91984EDB5A3}" destId="{26340C4C-0B10-48FE-9B62-A25F00585FB0}" srcOrd="0" destOrd="0" parTransId="{54CBBBEF-D5AC-4F3B-9351-1B00A8DEA9E9}" sibTransId="{70EFE853-D200-4653-B6BE-B8CA691DB311}"/>
+    <dgm:cxn modelId="{EF0AB5DA-C4F2-41AB-85ED-5CEDEB323826}" type="presOf" srcId="{17EF31DF-BBCD-4A79-955B-8F60EF5B1E58}" destId="{A0C6343A-A196-4591-B960-C3E297C6777B}" srcOrd="0" destOrd="0" presId="urn:microsoft.com/office/officeart/2011/layout/TabList"/>
+    <dgm:cxn modelId="{CC812174-F4AD-4036-A6EE-21A40EB511B3}" type="presOf" srcId="{5B68FC91-A160-405C-893E-93761E22A33A}" destId="{A3985CAE-1483-448E-BE63-648EE0A54B31}" srcOrd="0" destOrd="0" presId="urn:microsoft.com/office/officeart/2011/layout/TabList"/>
+    <dgm:cxn modelId="{1A47B5A8-D3CE-4F48-AAED-7AF755A1ADE5}" type="presOf" srcId="{8599F6C2-9414-4B62-ABD5-D1486EB52790}" destId="{883F8020-34D4-4C23-8A52-8D030C860D2A}" srcOrd="0" destOrd="0" presId="urn:microsoft.com/office/officeart/2011/layout/TabList"/>
+    <dgm:cxn modelId="{E8BFD213-A06E-455B-B118-F55523A3E7DD}" srcId="{AF38608E-556E-4D49-88BD-C91984EDB5A3}" destId="{E15D2953-23A6-4BA4-8A53-87C9E9D2A27C}" srcOrd="1" destOrd="0" parTransId="{8EEE3D77-5EEB-462B-90C1-6D1CF5A6AA70}" sibTransId="{9E642A73-C0EC-4C5B-B495-FD0228B0D300}"/>
+    <dgm:cxn modelId="{80AB430D-8C3C-4743-9AC8-FAC0877BF192}" srcId="{3A8B2F6D-E8F2-41B7-8A8B-FB179438EC33}" destId="{3C9E9866-480B-4171-B394-B46DF3CA5606}" srcOrd="0" destOrd="0" parTransId="{9BED033E-7555-419A-BE75-2BD9FB18B9EA}" sibTransId="{2F651CC4-541F-479A-9559-1D20CF47FDBB}"/>
+    <dgm:cxn modelId="{02352717-C0C3-48BD-B2C0-91506A093A4A}" srcId="{26340C4C-0B10-48FE-9B62-A25F00585FB0}" destId="{17EF31DF-BBCD-4A79-955B-8F60EF5B1E58}" srcOrd="1" destOrd="0" parTransId="{07207A28-6856-42C5-99F7-32EBB2892279}" sibTransId="{2883741A-EF46-4752-926D-A552635DEA17}"/>
+    <dgm:cxn modelId="{FFBEC9C4-E383-4E92-911F-FE672025AF1E}" type="presOf" srcId="{0D9F114F-622B-4129-8940-149CE613BEFA}" destId="{81BCEAD3-4980-4714-B2FF-D53E3F3AD04B}" srcOrd="0" destOrd="0" presId="urn:microsoft.com/office/officeart/2011/layout/TabList"/>
+    <dgm:cxn modelId="{F63D9516-64D7-47B4-8604-121306AD9AF5}" srcId="{3A8B2F6D-E8F2-41B7-8A8B-FB179438EC33}" destId="{5B68FC91-A160-405C-893E-93761E22A33A}" srcOrd="1" destOrd="0" parTransId="{29EA37D8-FC6A-45F6-92EE-AB7CDF27DD89}" sibTransId="{46E02361-3439-4C07-B5D9-D215D532108B}"/>
     <dgm:cxn modelId="{576F4D2C-E95F-42E9-A752-BB14704E1427}" srcId="{AF38608E-556E-4D49-88BD-C91984EDB5A3}" destId="{3A8B2F6D-E8F2-41B7-8A8B-FB179438EC33}" srcOrd="2" destOrd="0" parTransId="{EED38274-B892-4F79-930B-E601989F9C95}" sibTransId="{0E647521-A39D-4C14-A176-53C80A68976D}"/>
-    <dgm:cxn modelId="{E8BFD213-A06E-455B-B118-F55523A3E7DD}" srcId="{AF38608E-556E-4D49-88BD-C91984EDB5A3}" destId="{E15D2953-23A6-4BA4-8A53-87C9E9D2A27C}" srcOrd="1" destOrd="0" parTransId="{8EEE3D77-5EEB-462B-90C1-6D1CF5A6AA70}" sibTransId="{9E642A73-C0EC-4C5B-B495-FD0228B0D300}"/>
-    <dgm:cxn modelId="{8CEC66D1-DE6A-4679-8BF9-ECA5CEDC031C}" type="presOf" srcId="{C1EBEB7C-A52F-4822-A252-E48E830D4CE9}" destId="{850B5715-287A-47FB-B571-1C809992F9BF}" srcOrd="0" destOrd="0" presId="urn:microsoft.com/office/officeart/2011/layout/TabList"/>
-    <dgm:cxn modelId="{8F6F3C56-A61B-47F4-ADD4-FE3687C5CB26}" srcId="{26340C4C-0B10-48FE-9B62-A25F00585FB0}" destId="{C1EBEB7C-A52F-4822-A252-E48E830D4CE9}" srcOrd="0" destOrd="0" parTransId="{848F86F7-B269-44AD-AAF4-1EB234DED42B}" sibTransId="{2C6FCC71-0101-4082-9DAF-B6D2828CA0C9}"/>
+    <dgm:cxn modelId="{83D9CB38-6D44-4ACC-BFB3-DAAD52A912B0}" type="presOf" srcId="{AF38608E-556E-4D49-88BD-C91984EDB5A3}" destId="{5C7E4E57-650B-4AD8-81A1-85047B32E64E}" srcOrd="0" destOrd="0" presId="urn:microsoft.com/office/officeart/2011/layout/TabList"/>
+    <dgm:cxn modelId="{EBB45E02-ADA1-493F-9898-1B42505D1632}" srcId="{E15D2953-23A6-4BA4-8A53-87C9E9D2A27C}" destId="{0D9F114F-622B-4129-8940-149CE613BEFA}" srcOrd="0" destOrd="0" parTransId="{C047CC83-5004-48BC-9229-3D049DD38FEE}" sibTransId="{5B9F923E-B24B-43F4-B633-7B4EB24E92E0}"/>
     <dgm:cxn modelId="{B3A755EB-3582-4133-A0B6-6D8B1D40A87E}" type="presOf" srcId="{26340C4C-0B10-48FE-9B62-A25F00585FB0}" destId="{1ED743B0-9E8C-47F8-9E7C-5C228DD9AB6D}" srcOrd="0" destOrd="0" presId="urn:microsoft.com/office/officeart/2011/layout/TabList"/>
-    <dgm:cxn modelId="{F63D9516-64D7-47B4-8604-121306AD9AF5}" srcId="{3A8B2F6D-E8F2-41B7-8A8B-FB179438EC33}" destId="{5B68FC91-A160-405C-893E-93761E22A33A}" srcOrd="1" destOrd="0" parTransId="{29EA37D8-FC6A-45F6-92EE-AB7CDF27DD89}" sibTransId="{46E02361-3439-4C07-B5D9-D215D532108B}"/>
-    <dgm:cxn modelId="{0BA512EB-3FC0-478E-AF2F-71F37E6A5C90}" srcId="{E15D2953-23A6-4BA4-8A53-87C9E9D2A27C}" destId="{8599F6C2-9414-4B62-ABD5-D1486EB52790}" srcOrd="1" destOrd="0" parTransId="{8E2B8534-8E28-44E5-81CD-3C90F7D99124}" sibTransId="{AFEAEE1F-7AA2-432F-91D6-3D1F819B4E4A}"/>
-    <dgm:cxn modelId="{1A47B5A8-D3CE-4F48-AAED-7AF755A1ADE5}" type="presOf" srcId="{8599F6C2-9414-4B62-ABD5-D1486EB52790}" destId="{883F8020-34D4-4C23-8A52-8D030C860D2A}" srcOrd="0" destOrd="0" presId="urn:microsoft.com/office/officeart/2011/layout/TabList"/>
-    <dgm:cxn modelId="{EF0AB5DA-C4F2-41AB-85ED-5CEDEB323826}" type="presOf" srcId="{17EF31DF-BBCD-4A79-955B-8F60EF5B1E58}" destId="{A0C6343A-A196-4591-B960-C3E297C6777B}" srcOrd="0" destOrd="0" presId="urn:microsoft.com/office/officeart/2011/layout/TabList"/>
     <dgm:cxn modelId="{D9A57BC3-4F02-463B-BF2E-470889F67F6B}" type="presOf" srcId="{3A8B2F6D-E8F2-41B7-8A8B-FB179438EC33}" destId="{212F2055-024B-4A9F-B493-F7D0A8A1ACFD}" srcOrd="0" destOrd="0" presId="urn:microsoft.com/office/officeart/2011/layout/TabList"/>
     <dgm:cxn modelId="{9FAED2DA-30B6-47C6-BC88-4842A57A0940}" type="presOf" srcId="{E15D2953-23A6-4BA4-8A53-87C9E9D2A27C}" destId="{76567BE9-36A1-4132-857A-2696522CF3A3}" srcOrd="0" destOrd="0" presId="urn:microsoft.com/office/officeart/2011/layout/TabList"/>
-    <dgm:cxn modelId="{EBB45E02-ADA1-493F-9898-1B42505D1632}" srcId="{E15D2953-23A6-4BA4-8A53-87C9E9D2A27C}" destId="{0D9F114F-622B-4129-8940-149CE613BEFA}" srcOrd="0" destOrd="0" parTransId="{C047CC83-5004-48BC-9229-3D049DD38FEE}" sibTransId="{5B9F923E-B24B-43F4-B633-7B4EB24E92E0}"/>
-    <dgm:cxn modelId="{80AB430D-8C3C-4743-9AC8-FAC0877BF192}" srcId="{3A8B2F6D-E8F2-41B7-8A8B-FB179438EC33}" destId="{3C9E9866-480B-4171-B394-B46DF3CA5606}" srcOrd="0" destOrd="0" parTransId="{9BED033E-7555-419A-BE75-2BD9FB18B9EA}" sibTransId="{2F651CC4-541F-479A-9559-1D20CF47FDBB}"/>
-    <dgm:cxn modelId="{8B77AFD9-1085-49E9-A1F1-F8E781719861}" srcId="{AF38608E-556E-4D49-88BD-C91984EDB5A3}" destId="{26340C4C-0B10-48FE-9B62-A25F00585FB0}" srcOrd="0" destOrd="0" parTransId="{54CBBBEF-D5AC-4F3B-9351-1B00A8DEA9E9}" sibTransId="{70EFE853-D200-4653-B6BE-B8CA691DB311}"/>
-    <dgm:cxn modelId="{22FC6A4E-C880-4E03-901F-DBB2558771EE}" type="presOf" srcId="{3C9E9866-480B-4171-B394-B46DF3CA5606}" destId="{F1A0F0B9-F24A-40DC-B150-D708C0E0FE4F}" srcOrd="0" destOrd="0" presId="urn:microsoft.com/office/officeart/2011/layout/TabList"/>
-    <dgm:cxn modelId="{CC812174-F4AD-4036-A6EE-21A40EB511B3}" type="presOf" srcId="{5B68FC91-A160-405C-893E-93761E22A33A}" destId="{A3985CAE-1483-448E-BE63-648EE0A54B31}" srcOrd="0" destOrd="0" presId="urn:microsoft.com/office/officeart/2011/layout/TabList"/>
-    <dgm:cxn modelId="{02352717-C0C3-48BD-B2C0-91506A093A4A}" srcId="{26340C4C-0B10-48FE-9B62-A25F00585FB0}" destId="{17EF31DF-BBCD-4A79-955B-8F60EF5B1E58}" srcOrd="1" destOrd="0" parTransId="{07207A28-6856-42C5-99F7-32EBB2892279}" sibTransId="{2883741A-EF46-4752-926D-A552635DEA17}"/>
-    <dgm:cxn modelId="{FFBEC9C4-E383-4E92-911F-FE672025AF1E}" type="presOf" srcId="{0D9F114F-622B-4129-8940-149CE613BEFA}" destId="{81BCEAD3-4980-4714-B2FF-D53E3F3AD04B}" srcOrd="0" destOrd="0" presId="urn:microsoft.com/office/officeart/2011/layout/TabList"/>
-    <dgm:cxn modelId="{83D9CB38-6D44-4ACC-BFB3-DAAD52A912B0}" type="presOf" srcId="{AF38608E-556E-4D49-88BD-C91984EDB5A3}" destId="{5C7E4E57-650B-4AD8-81A1-85047B32E64E}" srcOrd="0" destOrd="0" presId="urn:microsoft.com/office/officeart/2011/layout/TabList"/>
+    <dgm:cxn modelId="{0BA512EB-3FC0-478E-AF2F-71F37E6A5C90}" srcId="{E15D2953-23A6-4BA4-8A53-87C9E9D2A27C}" destId="{8599F6C2-9414-4B62-ABD5-D1486EB52790}" srcOrd="1" destOrd="0" parTransId="{8E2B8534-8E28-44E5-81CD-3C90F7D99124}" sibTransId="{AFEAEE1F-7AA2-432F-91D6-3D1F819B4E4A}"/>
+    <dgm:cxn modelId="{8F6F3C56-A61B-47F4-ADD4-FE3687C5CB26}" srcId="{26340C4C-0B10-48FE-9B62-A25F00585FB0}" destId="{C1EBEB7C-A52F-4822-A252-E48E830D4CE9}" srcOrd="0" destOrd="0" parTransId="{848F86F7-B269-44AD-AAF4-1EB234DED42B}" sibTransId="{2C6FCC71-0101-4082-9DAF-B6D2828CA0C9}"/>
     <dgm:cxn modelId="{AC9022A9-0149-4249-8BED-245E0C9D58F8}" type="presParOf" srcId="{5C7E4E57-650B-4AD8-81A1-85047B32E64E}" destId="{D9BB1854-DB91-4D68-872C-B6452EC562E9}" srcOrd="0" destOrd="0" presId="urn:microsoft.com/office/officeart/2011/layout/TabList"/>
     <dgm:cxn modelId="{FD96DF67-DF0C-4E76-B709-E207C4DEAA2A}" type="presParOf" srcId="{D9BB1854-DB91-4D68-872C-B6452EC562E9}" destId="{850B5715-287A-47FB-B571-1C809992F9BF}" srcOrd="0" destOrd="0" presId="urn:microsoft.com/office/officeart/2011/layout/TabList"/>
     <dgm:cxn modelId="{5B90EAFF-D23E-4C3E-BD8C-2717FBFC89AF}" type="presParOf" srcId="{D9BB1854-DB91-4D68-872C-B6452EC562E9}" destId="{1ED743B0-9E8C-47F8-9E7C-5C228DD9AB6D}" srcOrd="1" destOrd="0" presId="urn:microsoft.com/office/officeart/2011/layout/TabList"/>
@@ -2289,7 +2340,7 @@
   <dgm:whole/>
   <dgm:extLst>
     <a:ext uri="http://schemas.microsoft.com/office/drawing/2008/diagram">
-      <dsp:dataModelExt xmlns:dsp="http://schemas.microsoft.com/office/drawing/2008/diagram" relId="rId8" minVer="http://schemas.openxmlformats.org/drawingml/2006/diagram"/>
+      <dsp:dataModelExt xmlns:dsp="http://schemas.microsoft.com/office/drawing/2008/diagram" relId="rId9" minVer="http://schemas.openxmlformats.org/drawingml/2006/diagram"/>
     </a:ext>
   </dgm:extLst>
 </dgm:dataModel>
@@ -2347,10 +2398,10 @@
         <a:lstStyle/>
         <a:p>
           <a:r>
-            <a:rPr kumimoji="1" lang="ja-JP" altLang="en-US" sz="6600" dirty="0" smtClean="0"/>
+            <a:rPr kumimoji="1" lang="ja-JP" altLang="en-US" sz="6000" dirty="0" smtClean="0"/>
             <a:t>抽出</a:t>
           </a:r>
-          <a:endParaRPr kumimoji="1" lang="ja-JP" altLang="en-US" sz="6600" dirty="0"/>
+          <a:endParaRPr kumimoji="1" lang="ja-JP" altLang="en-US" sz="6000" dirty="0"/>
         </a:p>
       </dgm:t>
     </dgm:pt>
@@ -2385,7 +2436,11 @@
         <a:p>
           <a:r>
             <a:rPr kumimoji="1" lang="ja-JP" altLang="en-US" sz="6000" dirty="0" smtClean="0"/>
-            <a:t>統計・データマイニング</a:t>
+            <a:t>統計</a:t>
+          </a:r>
+          <a:r>
+            <a:rPr kumimoji="1" lang="ja-JP" altLang="en-US" sz="6000" dirty="0" smtClean="0"/>
+            <a:t>・データマイニングで解析</a:t>
           </a:r>
           <a:endParaRPr kumimoji="1" lang="ja-JP" altLang="en-US" sz="6000" dirty="0"/>
         </a:p>
@@ -2442,6 +2497,13 @@
         </dgm:presLayoutVars>
       </dgm:prSet>
       <dgm:spPr/>
+      <dgm:t>
+        <a:bodyPr/>
+        <a:lstStyle/>
+        <a:p>
+          <a:endParaRPr kumimoji="1" lang="ja-JP" altLang="en-US"/>
+        </a:p>
+      </dgm:t>
     </dgm:pt>
     <dgm:pt modelId="{BA13B703-44AD-4045-8E65-CE34DFF581AF}" type="pres">
       <dgm:prSet presAssocID="{68D72871-6FEC-4EC6-BAA3-6C3163924E93}" presName="bullet3b" presStyleLbl="node1" presStyleIdx="1" presStyleCnt="3"/>
@@ -2454,18 +2516,32 @@
         </dgm:presLayoutVars>
       </dgm:prSet>
       <dgm:spPr/>
+      <dgm:t>
+        <a:bodyPr/>
+        <a:lstStyle/>
+        <a:p>
+          <a:endParaRPr kumimoji="1" lang="ja-JP" altLang="en-US"/>
+        </a:p>
+      </dgm:t>
     </dgm:pt>
     <dgm:pt modelId="{DEF5A404-D498-403B-BE19-884AABDC423C}" type="pres">
       <dgm:prSet presAssocID="{645BC329-468F-433F-8D29-01A1EC905334}" presName="bullet3c" presStyleLbl="node1" presStyleIdx="2" presStyleCnt="3"/>
       <dgm:spPr/>
     </dgm:pt>
     <dgm:pt modelId="{F8DDDF45-39B0-4FFC-87C6-F49508531EB4}" type="pres">
-      <dgm:prSet presAssocID="{645BC329-468F-433F-8D29-01A1EC905334}" presName="textBox3c" presStyleLbl="revTx" presStyleIdx="2" presStyleCnt="3" custScaleX="117190" custLinFactNeighborX="-3131" custLinFactNeighborY="4866">
+      <dgm:prSet presAssocID="{645BC329-468F-433F-8D29-01A1EC905334}" presName="textBox3c" presStyleLbl="revTx" presStyleIdx="2" presStyleCnt="3" custScaleX="163370" custScaleY="57368" custLinFactNeighborX="17316" custLinFactNeighborY="-12692">
         <dgm:presLayoutVars>
           <dgm:bulletEnabled val="1"/>
         </dgm:presLayoutVars>
       </dgm:prSet>
       <dgm:spPr/>
+      <dgm:t>
+        <a:bodyPr/>
+        <a:lstStyle/>
+        <a:p>
+          <a:endParaRPr kumimoji="1" lang="ja-JP" altLang="en-US"/>
+        </a:p>
+      </dgm:t>
     </dgm:pt>
   </dgm:ptLst>
   <dgm:cxnLst>
@@ -2489,7 +2565,7 @@
   <dgm:whole/>
   <dgm:extLst>
     <a:ext uri="http://schemas.microsoft.com/office/drawing/2008/diagram">
-      <dsp:dataModelExt xmlns:dsp="http://schemas.microsoft.com/office/drawing/2008/diagram" relId="rId6" minVer="http://schemas.openxmlformats.org/drawingml/2006/diagram"/>
+      <dsp:dataModelExt xmlns:dsp="http://schemas.microsoft.com/office/drawing/2008/diagram" relId="rId7" minVer="http://schemas.openxmlformats.org/drawingml/2006/diagram"/>
     </a:ext>
   </dgm:extLst>
 </dgm:dataModel>
@@ -2853,7 +2929,15 @@
             <a:rPr kumimoji="1" lang="ja-JP" altLang="en-US" sz="3600" kern="1200" dirty="0" smtClean="0"/>
             <a:t>リポジトリを公開すればだれでもそのリポジトリを複製して開発に参加できる</a:t>
           </a:r>
-          <a:endParaRPr kumimoji="1" lang="ja-JP" altLang="en-US" sz="3600" kern="1200" dirty="0"/>
+          <a:r>
+            <a:rPr kumimoji="1" lang="ja-JP" altLang="en-US" sz="2400" kern="1200" dirty="0" smtClean="0"/>
+            <a:t>図</a:t>
+          </a:r>
+          <a:r>
+            <a:rPr kumimoji="1" lang="en-US" altLang="ja-JP" sz="2400" kern="1200" dirty="0" smtClean="0"/>
+            <a:t>ⅰ</a:t>
+          </a:r>
+          <a:endParaRPr kumimoji="1" lang="ja-JP" altLang="en-US" sz="2400" kern="1200" dirty="0"/>
         </a:p>
       </dsp:txBody>
       <dsp:txXfrm>
@@ -3331,7 +3415,15 @@
             <a:rPr kumimoji="1" lang="ja-JP" altLang="en-US" sz="3600" kern="1200" dirty="0" smtClean="0"/>
             <a:t>した変更や機能を追加する</a:t>
           </a:r>
-          <a:endParaRPr kumimoji="1" lang="ja-JP" altLang="en-US" sz="3600" kern="1200" dirty="0"/>
+          <a:r>
+            <a:rPr kumimoji="1" lang="ja-JP" altLang="en-US" sz="2800" kern="1200" dirty="0" smtClean="0"/>
+            <a:t>図</a:t>
+          </a:r>
+          <a:r>
+            <a:rPr kumimoji="1" lang="en-US" altLang="ja-JP" sz="2800" kern="1200" dirty="0" smtClean="0"/>
+            <a:t>ⅱ</a:t>
+          </a:r>
+          <a:endParaRPr kumimoji="1" lang="ja-JP" altLang="en-US" sz="2800" kern="1200" dirty="0"/>
         </a:p>
       </dsp:txBody>
       <dsp:txXfrm>
@@ -3603,7 +3695,7 @@
         </a:bodyPr>
         <a:lstStyle/>
         <a:p>
-          <a:pPr lvl="0" algn="l" defTabSz="2933700">
+          <a:pPr lvl="0" algn="l" defTabSz="2667000">
             <a:lnSpc>
               <a:spcPct val="90000"/>
             </a:lnSpc>
@@ -3615,10 +3707,10 @@
             </a:spcAft>
           </a:pPr>
           <a:r>
-            <a:rPr kumimoji="1" lang="ja-JP" altLang="en-US" sz="6600" kern="1200" dirty="0" smtClean="0"/>
+            <a:rPr kumimoji="1" lang="ja-JP" altLang="en-US" sz="6000" kern="1200" dirty="0" smtClean="0"/>
             <a:t>抽出</a:t>
           </a:r>
-          <a:endParaRPr kumimoji="1" lang="ja-JP" altLang="en-US" sz="6600" kern="1200" dirty="0"/>
+          <a:endParaRPr kumimoji="1" lang="ja-JP" altLang="en-US" sz="6000" kern="1200" dirty="0"/>
         </a:p>
       </dsp:txBody>
       <dsp:txXfrm>
@@ -3689,8 +3781,8 @@
       </dsp:nvSpPr>
       <dsp:spPr>
         <a:xfrm>
-          <a:off x="8496356" y="2055287"/>
-          <a:ext cx="3032456" cy="4683361"/>
+          <a:off x="8427965" y="2289350"/>
+          <a:ext cx="4227429" cy="2686750"/>
         </a:xfrm>
         <a:prstGeom prst="rect">
           <a:avLst/>
@@ -3732,14 +3824,18 @@
           </a:pPr>
           <a:r>
             <a:rPr kumimoji="1" lang="ja-JP" altLang="en-US" sz="6000" kern="1200" dirty="0" smtClean="0"/>
-            <a:t>統計・データマイニング</a:t>
+            <a:t>統計</a:t>
+          </a:r>
+          <a:r>
+            <a:rPr kumimoji="1" lang="ja-JP" altLang="en-US" sz="6000" kern="1200" dirty="0" smtClean="0"/>
+            <a:t>・データマイニングで解析</a:t>
           </a:r>
           <a:endParaRPr kumimoji="1" lang="ja-JP" altLang="en-US" sz="6000" kern="1200" dirty="0"/>
         </a:p>
       </dsp:txBody>
       <dsp:txXfrm>
-        <a:off x="8496356" y="2055287"/>
-        <a:ext cx="3032456" cy="4683361"/>
+        <a:off x="8427965" y="2289350"/>
+        <a:ext cx="4227429" cy="2686750"/>
       </dsp:txXfrm>
     </dsp:sp>
   </dsp:spTree>
@@ -7974,7 +8070,7 @@
           <a:p>
             <a:fld id="{5BAB8F4C-03BC-4B6E-A455-F3B383D95D62}" type="datetimeFigureOut">
               <a:rPr kumimoji="1" lang="ja-JP" altLang="en-US" smtClean="0"/>
-              <a:t>2013/10/7</a:t>
+              <a:t>2013/10/8</a:t>
             </a:fld>
             <a:endParaRPr kumimoji="1" lang="ja-JP" altLang="en-US"/>
           </a:p>
@@ -8176,7 +8272,7 @@
           <a:p>
             <a:fld id="{5BAB8F4C-03BC-4B6E-A455-F3B383D95D62}" type="datetimeFigureOut">
               <a:rPr kumimoji="1" lang="ja-JP" altLang="en-US" smtClean="0"/>
-              <a:t>2013/10/7</a:t>
+              <a:t>2013/10/8</a:t>
             </a:fld>
             <a:endParaRPr kumimoji="1" lang="ja-JP" altLang="en-US"/>
           </a:p>
@@ -8388,7 +8484,7 @@
           <a:p>
             <a:fld id="{5BAB8F4C-03BC-4B6E-A455-F3B383D95D62}" type="datetimeFigureOut">
               <a:rPr kumimoji="1" lang="ja-JP" altLang="en-US" smtClean="0"/>
-              <a:t>2013/10/7</a:t>
+              <a:t>2013/10/8</a:t>
             </a:fld>
             <a:endParaRPr kumimoji="1" lang="ja-JP" altLang="en-US"/>
           </a:p>
@@ -8590,7 +8686,7 @@
           <a:p>
             <a:fld id="{5BAB8F4C-03BC-4B6E-A455-F3B383D95D62}" type="datetimeFigureOut">
               <a:rPr kumimoji="1" lang="ja-JP" altLang="en-US" smtClean="0"/>
-              <a:t>2013/10/7</a:t>
+              <a:t>2013/10/8</a:t>
             </a:fld>
             <a:endParaRPr kumimoji="1" lang="ja-JP" altLang="en-US"/>
           </a:p>
@@ -8836,7 +8932,7 @@
           <a:p>
             <a:fld id="{5BAB8F4C-03BC-4B6E-A455-F3B383D95D62}" type="datetimeFigureOut">
               <a:rPr kumimoji="1" lang="ja-JP" altLang="en-US" smtClean="0"/>
-              <a:t>2013/10/7</a:t>
+              <a:t>2013/10/8</a:t>
             </a:fld>
             <a:endParaRPr kumimoji="1" lang="ja-JP" altLang="en-US"/>
           </a:p>
@@ -9188,7 +9284,7 @@
           <a:p>
             <a:fld id="{5BAB8F4C-03BC-4B6E-A455-F3B383D95D62}" type="datetimeFigureOut">
               <a:rPr kumimoji="1" lang="ja-JP" altLang="en-US" smtClean="0"/>
-              <a:t>2013/10/7</a:t>
+              <a:t>2013/10/8</a:t>
             </a:fld>
             <a:endParaRPr kumimoji="1" lang="ja-JP" altLang="en-US"/>
           </a:p>
@@ -9679,7 +9775,7 @@
           <a:p>
             <a:fld id="{5BAB8F4C-03BC-4B6E-A455-F3B383D95D62}" type="datetimeFigureOut">
               <a:rPr kumimoji="1" lang="ja-JP" altLang="en-US" smtClean="0"/>
-              <a:t>2013/10/7</a:t>
+              <a:t>2013/10/8</a:t>
             </a:fld>
             <a:endParaRPr kumimoji="1" lang="ja-JP" altLang="en-US"/>
           </a:p>
@@ -9797,7 +9893,7 @@
           <a:p>
             <a:fld id="{5BAB8F4C-03BC-4B6E-A455-F3B383D95D62}" type="datetimeFigureOut">
               <a:rPr kumimoji="1" lang="ja-JP" altLang="en-US" smtClean="0"/>
-              <a:t>2013/10/7</a:t>
+              <a:t>2013/10/8</a:t>
             </a:fld>
             <a:endParaRPr kumimoji="1" lang="ja-JP" altLang="en-US"/>
           </a:p>
@@ -9892,7 +9988,7 @@
           <a:p>
             <a:fld id="{5BAB8F4C-03BC-4B6E-A455-F3B383D95D62}" type="datetimeFigureOut">
               <a:rPr kumimoji="1" lang="ja-JP" altLang="en-US" smtClean="0"/>
-              <a:t>2013/10/7</a:t>
+              <a:t>2013/10/8</a:t>
             </a:fld>
             <a:endParaRPr kumimoji="1" lang="ja-JP" altLang="en-US"/>
           </a:p>
@@ -10201,7 +10297,7 @@
           <a:p>
             <a:fld id="{5BAB8F4C-03BC-4B6E-A455-F3B383D95D62}" type="datetimeFigureOut">
               <a:rPr kumimoji="1" lang="ja-JP" altLang="en-US" smtClean="0"/>
-              <a:t>2013/10/7</a:t>
+              <a:t>2013/10/8</a:t>
             </a:fld>
             <a:endParaRPr kumimoji="1" lang="ja-JP" altLang="en-US"/>
           </a:p>
@@ -10454,7 +10550,7 @@
           <a:p>
             <a:fld id="{5BAB8F4C-03BC-4B6E-A455-F3B383D95D62}" type="datetimeFigureOut">
               <a:rPr kumimoji="1" lang="ja-JP" altLang="en-US" smtClean="0"/>
-              <a:t>2013/10/7</a:t>
+              <a:t>2013/10/8</a:t>
             </a:fld>
             <a:endParaRPr kumimoji="1" lang="ja-JP" altLang="en-US"/>
           </a:p>
@@ -10699,7 +10795,7 @@
           <a:p>
             <a:fld id="{5BAB8F4C-03BC-4B6E-A455-F3B383D95D62}" type="datetimeFigureOut">
               <a:rPr kumimoji="1" lang="ja-JP" altLang="en-US" smtClean="0"/>
-              <a:t>2013/10/7</a:t>
+              <a:t>2013/10/8</a:t>
             </a:fld>
             <a:endParaRPr kumimoji="1" lang="ja-JP" altLang="en-US"/>
           </a:p>
@@ -11076,6 +11172,47 @@
       </p:grpSpPr>
       <p:pic>
         <p:nvPicPr>
+          <p:cNvPr id="1028" name="Picture 4" descr="C:\Users\Genki\Desktop\002.jpg"/>
+          <p:cNvPicPr>
+            <a:picLocks noChangeAspect="1" noChangeArrowheads="1"/>
+          </p:cNvPicPr>
+          <p:nvPr/>
+        </p:nvPicPr>
+        <p:blipFill>
+          <a:blip r:embed="rId2">
+            <a:extLst>
+              <a:ext uri="{28A0092B-C50C-407E-A947-70E740481C1C}">
+                <a14:useLocalDpi xmlns:a14="http://schemas.microsoft.com/office/drawing/2010/main" val="0"/>
+              </a:ext>
+            </a:extLst>
+          </a:blip>
+          <a:srcRect/>
+          <a:stretch>
+            <a:fillRect/>
+          </a:stretch>
+        </p:blipFill>
+        <p:spPr bwMode="auto">
+          <a:xfrm>
+            <a:off x="14725847" y="7046924"/>
+            <a:ext cx="6522037" cy="3954325"/>
+          </a:xfrm>
+          <a:prstGeom prst="rect">
+            <a:avLst/>
+          </a:prstGeom>
+          <a:noFill/>
+          <a:extLst>
+            <a:ext uri="{909E8E84-426E-40DD-AFC4-6F175D3DCCD1}">
+              <a14:hiddenFill xmlns:a14="http://schemas.microsoft.com/office/drawing/2010/main">
+                <a:solidFill>
+                  <a:srgbClr val="FFFFFF"/>
+                </a:solidFill>
+              </a14:hiddenFill>
+            </a:ext>
+          </a:extLst>
+        </p:spPr>
+      </p:pic>
+      <p:pic>
+        <p:nvPicPr>
           <p:cNvPr id="1030" name="Picture 6" descr="C:\Users\Genki\Desktop\003.jpg"/>
           <p:cNvPicPr>
             <a:picLocks noChangeAspect="1" noChangeArrowheads="1"/>
@@ -11083,7 +11220,7 @@
           <p:nvPr/>
         </p:nvPicPr>
         <p:blipFill>
-          <a:blip r:embed="rId2">
+          <a:blip r:embed="rId3">
             <a:extLst>
               <a:ext uri="{28A0092B-C50C-407E-A947-70E740481C1C}">
                 <a14:useLocalDpi xmlns:a14="http://schemas.microsoft.com/office/drawing/2010/main" val="0"/>
@@ -11123,7 +11260,7 @@
         </p:nvSpPr>
         <p:spPr>
           <a:xfrm>
-            <a:off x="17053242" y="14267499"/>
+            <a:off x="17021531" y="14773802"/>
             <a:ext cx="3769112" cy="2525818"/>
           </a:xfrm>
           <a:prstGeom prst="irregularSeal1">
@@ -11281,14 +11418,14 @@
           <a:lstStyle/>
           <a:p>
             <a:r>
-              <a:rPr kumimoji="1" lang="ja-JP" altLang="en-US" dirty="0" smtClean="0"/>
+              <a:rPr kumimoji="1" lang="ja-JP" altLang="en-US" b="1" dirty="0" smtClean="0"/>
               <a:t>・</a:t>
             </a:r>
             <a:r>
-              <a:rPr kumimoji="1" lang="ja-JP" altLang="en-US" sz="5400" dirty="0" smtClean="0"/>
+              <a:rPr kumimoji="1" lang="ja-JP" altLang="en-US" sz="5400" b="1" dirty="0" smtClean="0"/>
               <a:t>背景</a:t>
             </a:r>
-            <a:endParaRPr kumimoji="1" lang="ja-JP" altLang="en-US" sz="5400" dirty="0"/>
+            <a:endParaRPr kumimoji="1" lang="ja-JP" altLang="en-US" sz="5400" b="1" dirty="0"/>
           </a:p>
         </p:txBody>
       </p:sp>
@@ -11321,9 +11458,8 @@
             <a:r>
               <a:rPr kumimoji="1" lang="ja-JP" altLang="en-US" sz="3600" u="sng" dirty="0" smtClean="0">
                 <a:solidFill>
-                  <a:schemeClr val="accent4">
-                    <a:lumMod val="60000"/>
-                    <a:lumOff val="40000"/>
+                  <a:schemeClr val="accent2">
+                    <a:lumMod val="75000"/>
                   </a:schemeClr>
                 </a:solidFill>
               </a:rPr>
@@ -11339,9 +11475,8 @@
             <a:r>
               <a:rPr kumimoji="1" lang="en-US" altLang="ja-JP" sz="3600" u="sng" dirty="0" err="1" smtClean="0">
                 <a:solidFill>
-                  <a:schemeClr val="accent4">
-                    <a:lumMod val="60000"/>
-                    <a:lumOff val="40000"/>
+                  <a:schemeClr val="accent2">
+                    <a:lumMod val="75000"/>
                   </a:schemeClr>
                 </a:solidFill>
               </a:rPr>
@@ -11354,9 +11489,8 @@
             <a:r>
               <a:rPr kumimoji="1" lang="ja-JP" altLang="en-US" sz="3600" u="sng" dirty="0" smtClean="0">
                 <a:solidFill>
-                  <a:schemeClr val="accent4">
-                    <a:lumMod val="60000"/>
-                    <a:lumOff val="40000"/>
+                  <a:schemeClr val="accent2">
+                    <a:lumMod val="75000"/>
                   </a:schemeClr>
                 </a:solidFill>
               </a:rPr>
@@ -11369,9 +11503,8 @@
             <a:r>
               <a:rPr kumimoji="1" lang="ja-JP" altLang="en-US" sz="3600" u="sng" dirty="0" smtClean="0">
                 <a:solidFill>
-                  <a:schemeClr val="accent4">
-                    <a:lumMod val="60000"/>
-                    <a:lumOff val="40000"/>
+                  <a:schemeClr val="accent2">
+                    <a:lumMod val="75000"/>
                   </a:schemeClr>
                 </a:solidFill>
               </a:rPr>
@@ -11462,9 +11595,8 @@
             <a:r>
               <a:rPr kumimoji="1" lang="en-US" altLang="ja-JP" sz="3200" dirty="0" err="1" smtClean="0">
                 <a:solidFill>
-                  <a:schemeClr val="accent4">
-                    <a:lumMod val="60000"/>
-                    <a:lumOff val="40000"/>
+                  <a:schemeClr val="accent2">
+                    <a:lumMod val="75000"/>
                   </a:schemeClr>
                 </a:solidFill>
               </a:rPr>
@@ -11714,7 +11846,7 @@
           <p:nvPr/>
         </p:nvPicPr>
         <p:blipFill>
-          <a:blip r:embed="rId3">
+          <a:blip r:embed="rId4">
             <a:extLst>
               <a:ext uri="{28A0092B-C50C-407E-A947-70E740481C1C}">
                 <a14:useLocalDpi xmlns:a14="http://schemas.microsoft.com/office/drawing/2010/main" val="0"/>
@@ -11840,7 +11972,7 @@
           <p:nvPr/>
         </p:nvPicPr>
         <p:blipFill>
-          <a:blip r:embed="rId3">
+          <a:blip r:embed="rId4">
             <a:extLst>
               <a:ext uri="{28A0092B-C50C-407E-A947-70E740481C1C}">
                 <a14:useLocalDpi xmlns:a14="http://schemas.microsoft.com/office/drawing/2010/main" val="0"/>
@@ -12238,9 +12370,8 @@
             <a:r>
               <a:rPr kumimoji="1" lang="ja-JP" altLang="en-US" sz="4800" dirty="0" smtClean="0">
                 <a:solidFill>
-                  <a:schemeClr val="accent4">
-                    <a:lumMod val="60000"/>
-                    <a:lumOff val="40000"/>
+                  <a:schemeClr val="accent2">
+                    <a:lumMod val="75000"/>
                   </a:schemeClr>
                 </a:solidFill>
               </a:rPr>
@@ -12248,9 +12379,8 @@
             </a:r>
             <a:endParaRPr kumimoji="1" lang="ja-JP" altLang="en-US" sz="4800" dirty="0">
               <a:solidFill>
-                <a:schemeClr val="accent4">
-                  <a:lumMod val="60000"/>
-                  <a:lumOff val="40000"/>
+                <a:schemeClr val="accent2">
+                  <a:lumMod val="75000"/>
                 </a:schemeClr>
               </a:solidFill>
             </a:endParaRPr>
@@ -12282,9 +12412,8 @@
             <a:r>
               <a:rPr kumimoji="1" lang="ja-JP" altLang="en-US" sz="4800" dirty="0" smtClean="0">
                 <a:solidFill>
-                  <a:schemeClr val="accent4">
-                    <a:lumMod val="60000"/>
-                    <a:lumOff val="40000"/>
+                  <a:schemeClr val="accent2">
+                    <a:lumMod val="75000"/>
                   </a:schemeClr>
                 </a:solidFill>
               </a:rPr>
@@ -12292,9 +12421,8 @@
             </a:r>
             <a:endParaRPr kumimoji="1" lang="ja-JP" altLang="en-US" sz="4800" dirty="0">
               <a:solidFill>
-                <a:schemeClr val="accent4">
-                  <a:lumMod val="60000"/>
-                  <a:lumOff val="40000"/>
+                <a:schemeClr val="accent2">
+                  <a:lumMod val="75000"/>
                 </a:schemeClr>
               </a:solidFill>
             </a:endParaRPr>
@@ -12308,7 +12436,7 @@
           <p:nvPr>
             <p:extLst>
               <p:ext uri="{D42A27DB-BD31-4B8C-83A1-F6EECF244321}">
-                <p14:modId xmlns:p14="http://schemas.microsoft.com/office/powerpoint/2010/main" val="3560951660"/>
+                <p14:modId xmlns:p14="http://schemas.microsoft.com/office/powerpoint/2010/main" val="3790501211"/>
               </p:ext>
             </p:extLst>
           </p:nvPr>
@@ -12319,7 +12447,7 @@
         </p:xfrm>
         <a:graphic>
           <a:graphicData uri="http://schemas.openxmlformats.org/drawingml/2006/diagram">
-            <dgm:relIds xmlns:dgm="http://schemas.openxmlformats.org/drawingml/2006/diagram" xmlns:r="http://schemas.openxmlformats.org/officeDocument/2006/relationships" r:dm="rId4" r:lo="rId5" r:qs="rId6" r:cs="rId7"/>
+            <dgm:relIds xmlns:dgm="http://schemas.openxmlformats.org/drawingml/2006/diagram" xmlns:r="http://schemas.openxmlformats.org/officeDocument/2006/relationships" r:dm="rId5" r:lo="rId6" r:qs="rId7" r:cs="rId8"/>
           </a:graphicData>
         </a:graphic>
       </p:graphicFrame>
@@ -12406,47 +12534,6 @@
           </a:p>
         </p:txBody>
       </p:sp>
-      <p:pic>
-        <p:nvPicPr>
-          <p:cNvPr id="1028" name="Picture 4" descr="C:\Users\Genki\Desktop\002.jpg"/>
-          <p:cNvPicPr>
-            <a:picLocks noChangeAspect="1" noChangeArrowheads="1"/>
-          </p:cNvPicPr>
-          <p:nvPr/>
-        </p:nvPicPr>
-        <p:blipFill>
-          <a:blip r:embed="rId9">
-            <a:extLst>
-              <a:ext uri="{28A0092B-C50C-407E-A947-70E740481C1C}">
-                <a14:useLocalDpi xmlns:a14="http://schemas.microsoft.com/office/drawing/2010/main" val="0"/>
-              </a:ext>
-            </a:extLst>
-          </a:blip>
-          <a:srcRect/>
-          <a:stretch>
-            <a:fillRect/>
-          </a:stretch>
-        </p:blipFill>
-        <p:spPr bwMode="auto">
-          <a:xfrm>
-            <a:off x="14725847" y="7046924"/>
-            <a:ext cx="6522037" cy="3954325"/>
-          </a:xfrm>
-          <a:prstGeom prst="rect">
-            <a:avLst/>
-          </a:prstGeom>
-          <a:noFill/>
-          <a:extLst>
-            <a:ext uri="{909E8E84-426E-40DD-AFC4-6F175D3DCCD1}">
-              <a14:hiddenFill xmlns:a14="http://schemas.microsoft.com/office/drawing/2010/main">
-                <a:solidFill>
-                  <a:srgbClr val="FFFFFF"/>
-                </a:solidFill>
-              </a14:hiddenFill>
-            </a:ext>
-          </a:extLst>
-        </p:spPr>
-      </p:pic>
       <p:sp>
         <p:nvSpPr>
           <p:cNvPr id="26" name="テキスト ボックス 25"/>
@@ -12627,6 +12714,73 @@
           </a:p>
         </p:txBody>
       </p:sp>
+      <p:sp>
+        <p:nvSpPr>
+          <p:cNvPr id="35" name="テキスト ボックス 34"/>
+          <p:cNvSpPr txBox="1"/>
+          <p:nvPr/>
+        </p:nvSpPr>
+        <p:spPr>
+          <a:xfrm>
+            <a:off x="19324097" y="10539584"/>
+            <a:ext cx="2015176" cy="461665"/>
+          </a:xfrm>
+          <a:prstGeom prst="rect">
+            <a:avLst/>
+          </a:prstGeom>
+          <a:noFill/>
+        </p:spPr>
+        <p:txBody>
+          <a:bodyPr wrap="square" rtlCol="0">
+            <a:spAutoFit/>
+          </a:bodyPr>
+          <a:lstStyle/>
+          <a:p>
+            <a:r>
+              <a:rPr kumimoji="1" lang="ja-JP" altLang="en-US" sz="2400" dirty="0" smtClean="0"/>
+              <a:t>図</a:t>
+            </a:r>
+            <a:r>
+              <a:rPr kumimoji="1" lang="en-US" altLang="ja-JP" sz="2400" dirty="0" smtClean="0"/>
+              <a:t>ⅰ</a:t>
+            </a:r>
+          </a:p>
+        </p:txBody>
+      </p:sp>
+      <p:sp>
+        <p:nvSpPr>
+          <p:cNvPr id="36" name="テキスト ボックス 35"/>
+          <p:cNvSpPr txBox="1"/>
+          <p:nvPr/>
+        </p:nvSpPr>
+        <p:spPr>
+          <a:xfrm>
+            <a:off x="19371624" y="13804039"/>
+            <a:ext cx="2015176" cy="461665"/>
+          </a:xfrm>
+          <a:prstGeom prst="rect">
+            <a:avLst/>
+          </a:prstGeom>
+          <a:noFill/>
+        </p:spPr>
+        <p:txBody>
+          <a:bodyPr wrap="square" rtlCol="0">
+            <a:spAutoFit/>
+          </a:bodyPr>
+          <a:lstStyle/>
+          <a:p>
+            <a:r>
+              <a:rPr kumimoji="1" lang="ja-JP" altLang="en-US" sz="2400" dirty="0" smtClean="0"/>
+              <a:t>図</a:t>
+            </a:r>
+            <a:r>
+              <a:rPr lang="en-US" altLang="ja-JP" sz="2400" dirty="0"/>
+              <a:t>ⅱ</a:t>
+            </a:r>
+            <a:endParaRPr kumimoji="1" lang="en-US" altLang="ja-JP" sz="2400" dirty="0" smtClean="0"/>
+          </a:p>
+        </p:txBody>
+      </p:sp>
     </p:spTree>
     <p:extLst>
       <p:ext uri="{BB962C8B-B14F-4D97-AF65-F5344CB8AC3E}">
@@ -12664,6 +12818,139 @@
           <a:chExt cx="0" cy="0"/>
         </a:xfrm>
       </p:grpSpPr>
+      <p:pic>
+        <p:nvPicPr>
+          <p:cNvPr id="1026" name="Picture 2" descr="C:\Users\Genki\Desktop\キャプチャ.PNG"/>
+          <p:cNvPicPr>
+            <a:picLocks noChangeAspect="1" noChangeArrowheads="1"/>
+          </p:cNvPicPr>
+          <p:nvPr/>
+        </p:nvPicPr>
+        <p:blipFill>
+          <a:blip r:embed="rId2">
+            <a:extLst>
+              <a:ext uri="{28A0092B-C50C-407E-A947-70E740481C1C}">
+                <a14:useLocalDpi xmlns:a14="http://schemas.microsoft.com/office/drawing/2010/main" val="0"/>
+              </a:ext>
+            </a:extLst>
+          </a:blip>
+          <a:srcRect/>
+          <a:stretch>
+            <a:fillRect/>
+          </a:stretch>
+        </p:blipFill>
+        <p:spPr bwMode="auto">
+          <a:xfrm>
+            <a:off x="12848566" y="18037682"/>
+            <a:ext cx="8538233" cy="6175313"/>
+          </a:xfrm>
+          <a:prstGeom prst="rect">
+            <a:avLst/>
+          </a:prstGeom>
+          <a:noFill/>
+          <a:extLst>
+            <a:ext uri="{909E8E84-426E-40DD-AFC4-6F175D3DCCD1}">
+              <a14:hiddenFill xmlns:a14="http://schemas.microsoft.com/office/drawing/2010/main">
+                <a:solidFill>
+                  <a:srgbClr val="FFFFFF"/>
+                </a:solidFill>
+              </a14:hiddenFill>
+            </a:ext>
+          </a:extLst>
+        </p:spPr>
+      </p:pic>
+      <p:sp>
+        <p:nvSpPr>
+          <p:cNvPr id="5" name="円形吹き出し 4"/>
+          <p:cNvSpPr/>
+          <p:nvPr/>
+        </p:nvSpPr>
+        <p:spPr>
+          <a:xfrm>
+            <a:off x="13585301" y="14423194"/>
+            <a:ext cx="6733551" cy="3381090"/>
+          </a:xfrm>
+          <a:prstGeom prst="wedgeEllipseCallout">
+            <a:avLst>
+              <a:gd name="adj1" fmla="val 52161"/>
+              <a:gd name="adj2" fmla="val -62826"/>
+            </a:avLst>
+          </a:prstGeom>
+          <a:ln>
+            <a:solidFill>
+              <a:schemeClr val="accent1"/>
+            </a:solidFill>
+          </a:ln>
+        </p:spPr>
+        <p:style>
+          <a:lnRef idx="2">
+            <a:schemeClr val="accent6"/>
+          </a:lnRef>
+          <a:fillRef idx="1">
+            <a:schemeClr val="lt1"/>
+          </a:fillRef>
+          <a:effectRef idx="0">
+            <a:schemeClr val="accent6"/>
+          </a:effectRef>
+          <a:fontRef idx="minor">
+            <a:schemeClr val="dk1"/>
+          </a:fontRef>
+        </p:style>
+        <p:txBody>
+          <a:bodyPr rtlCol="0" anchor="ctr"/>
+          <a:lstStyle/>
+          <a:p>
+            <a:pPr algn="ctr"/>
+            <a:endParaRPr kumimoji="1" lang="ja-JP" altLang="en-US"/>
+          </a:p>
+        </p:txBody>
+      </p:sp>
+      <p:sp>
+        <p:nvSpPr>
+          <p:cNvPr id="4" name="円形吹き出し 3"/>
+          <p:cNvSpPr/>
+          <p:nvPr/>
+        </p:nvSpPr>
+        <p:spPr>
+          <a:xfrm>
+            <a:off x="13585302" y="11899427"/>
+            <a:ext cx="5493732" cy="2855492"/>
+          </a:xfrm>
+          <a:prstGeom prst="wedgeEllipseCallout">
+            <a:avLst>
+              <a:gd name="adj1" fmla="val 65833"/>
+              <a:gd name="adj2" fmla="val -9275"/>
+            </a:avLst>
+          </a:prstGeom>
+          <a:ln>
+            <a:solidFill>
+              <a:schemeClr val="accent1"/>
+            </a:solidFill>
+          </a:ln>
+        </p:spPr>
+        <p:style>
+          <a:lnRef idx="2">
+            <a:schemeClr val="accent6"/>
+          </a:lnRef>
+          <a:fillRef idx="1">
+            <a:schemeClr val="lt1"/>
+          </a:fillRef>
+          <a:effectRef idx="0">
+            <a:schemeClr val="accent6"/>
+          </a:effectRef>
+          <a:fontRef idx="minor">
+            <a:schemeClr val="dk1"/>
+          </a:fontRef>
+        </p:style>
+        <p:txBody>
+          <a:bodyPr rtlCol="0" anchor="ctr"/>
+          <a:lstStyle/>
+          <a:p>
+            <a:pPr algn="ctr"/>
+            <a:endParaRPr kumimoji="1" lang="ja-JP" altLang="en-US"/>
+          </a:p>
+        </p:txBody>
+      </p:sp>
       <p:graphicFrame>
         <p:nvGraphicFramePr>
           <p:cNvPr id="11" name="表 10"/>
@@ -12673,14 +12960,14 @@
           <p:nvPr>
             <p:extLst>
               <p:ext uri="{D42A27DB-BD31-4B8C-83A1-F6EECF244321}">
-                <p14:modId xmlns:p14="http://schemas.microsoft.com/office/powerpoint/2010/main" val="2570809141"/>
+                <p14:modId xmlns:p14="http://schemas.microsoft.com/office/powerpoint/2010/main" val="43607139"/>
               </p:ext>
             </p:extLst>
           </p:nvPr>
         </p:nvGraphicFramePr>
         <p:xfrm>
-          <a:off x="9648378" y="24693229"/>
-          <a:ext cx="11729752" cy="5447754"/>
+          <a:off x="9641164" y="25698213"/>
+          <a:ext cx="11491845" cy="4467679"/>
         </p:xfrm>
         <a:graphic>
           <a:graphicData uri="http://schemas.openxmlformats.org/drawingml/2006/table">
@@ -12689,10 +12976,10 @@
                 <a:tableStyleId>{775DCB02-9BB8-47FD-8907-85C794F793BA}</a:tableStyleId>
               </a:tblPr>
               <a:tblGrid>
-                <a:gridCol w="3876415"/>
-                <a:gridCol w="7853337"/>
+                <a:gridCol w="3797792"/>
+                <a:gridCol w="7694053"/>
               </a:tblGrid>
-              <a:tr h="1291428">
+              <a:tr h="1227846">
                 <a:tc>
                   <a:txBody>
                     <a:bodyPr/>
@@ -12722,29 +13009,29 @@
                   <a:tcPr/>
                 </a:tc>
               </a:tr>
-              <a:tr h="1209483">
+              <a:tr h="1074373">
                 <a:tc>
                   <a:txBody>
                     <a:bodyPr/>
                     <a:lstStyle/>
                     <a:p>
                       <a:r>
-                        <a:rPr kumimoji="1" lang="en-US" altLang="ja-JP" sz="4800" dirty="0" smtClean="0"/>
+                        <a:rPr kumimoji="1" lang="en-US" altLang="ja-JP" sz="4400" dirty="0" smtClean="0"/>
                         <a:t>2013</a:t>
                       </a:r>
                       <a:r>
-                        <a:rPr kumimoji="1" lang="ja-JP" altLang="en-US" sz="4800" dirty="0" smtClean="0"/>
+                        <a:rPr kumimoji="1" lang="ja-JP" altLang="en-US" sz="4400" dirty="0" smtClean="0"/>
                         <a:t>年</a:t>
                       </a:r>
                       <a:r>
-                        <a:rPr kumimoji="1" lang="en-US" altLang="ja-JP" sz="4800" dirty="0" smtClean="0"/>
+                        <a:rPr kumimoji="1" lang="en-US" altLang="ja-JP" sz="4400" dirty="0" smtClean="0"/>
                         <a:t>10</a:t>
                       </a:r>
                       <a:r>
-                        <a:rPr kumimoji="1" lang="ja-JP" altLang="en-US" sz="4800" dirty="0" smtClean="0"/>
+                        <a:rPr kumimoji="1" lang="ja-JP" altLang="en-US" sz="4400" dirty="0" smtClean="0"/>
                         <a:t>月</a:t>
                       </a:r>
-                      <a:endParaRPr kumimoji="1" lang="ja-JP" altLang="en-US" sz="4800" dirty="0"/>
+                      <a:endParaRPr kumimoji="1" lang="ja-JP" altLang="en-US" sz="4400" dirty="0"/>
                     </a:p>
                   </a:txBody>
                   <a:tcPr/>
@@ -12755,30 +13042,30 @@
                     <a:lstStyle/>
                     <a:p>
                       <a:r>
-                        <a:rPr kumimoji="1" lang="ja-JP" altLang="en-US" sz="5400" dirty="0" smtClean="0"/>
+                        <a:rPr kumimoji="1" lang="ja-JP" altLang="en-US" sz="4400" dirty="0" smtClean="0"/>
                         <a:t>マネジメントの実態調査</a:t>
                       </a:r>
-                      <a:endParaRPr kumimoji="1" lang="en-US" altLang="ja-JP" sz="5400" dirty="0" smtClean="0"/>
+                      <a:endParaRPr kumimoji="1" lang="en-US" altLang="ja-JP" sz="4400" dirty="0" smtClean="0"/>
                     </a:p>
                   </a:txBody>
                   <a:tcPr/>
                 </a:tc>
               </a:tr>
-              <a:tr h="1209483">
+              <a:tr h="1091087">
                 <a:tc>
                   <a:txBody>
                     <a:bodyPr/>
                     <a:lstStyle/>
                     <a:p>
                       <a:r>
-                        <a:rPr kumimoji="1" lang="en-US" altLang="ja-JP" sz="4800" dirty="0" smtClean="0"/>
+                        <a:rPr kumimoji="1" lang="en-US" altLang="ja-JP" sz="4400" dirty="0" smtClean="0"/>
                         <a:t>11</a:t>
                       </a:r>
                       <a:r>
-                        <a:rPr kumimoji="1" lang="ja-JP" altLang="en-US" sz="4800" dirty="0" smtClean="0"/>
+                        <a:rPr kumimoji="1" lang="ja-JP" altLang="en-US" sz="4400" dirty="0" smtClean="0"/>
                         <a:t>月～</a:t>
                       </a:r>
-                      <a:endParaRPr kumimoji="1" lang="ja-JP" altLang="en-US" sz="4800" dirty="0"/>
+                      <a:endParaRPr kumimoji="1" lang="ja-JP" altLang="en-US" sz="4400" dirty="0"/>
                     </a:p>
                   </a:txBody>
                   <a:tcPr/>
@@ -12789,37 +13076,30 @@
                     <a:lstStyle/>
                     <a:p>
                       <a:r>
-                        <a:rPr kumimoji="1" lang="ja-JP" altLang="en-US" sz="5400" dirty="0" smtClean="0"/>
-                        <a:t>実証分析結果を算出・</a:t>
+                        <a:rPr kumimoji="1" lang="ja-JP" altLang="en-US" sz="4400" dirty="0" smtClean="0"/>
+                        <a:t>実証分析結果を算出・統計</a:t>
                       </a:r>
-                      <a:endParaRPr kumimoji="1" lang="en-US" altLang="ja-JP" sz="5400" dirty="0" smtClean="0"/>
-                    </a:p>
-                    <a:p>
-                      <a:r>
-                        <a:rPr kumimoji="1" lang="ja-JP" altLang="en-US" sz="5400" dirty="0" smtClean="0"/>
-                        <a:t>統計</a:t>
-                      </a:r>
-                      <a:endParaRPr kumimoji="1" lang="ja-JP" altLang="en-US" sz="5400" dirty="0"/>
+                      <a:endParaRPr kumimoji="1" lang="ja-JP" altLang="en-US" sz="4400" dirty="0"/>
                     </a:p>
                   </a:txBody>
                   <a:tcPr/>
                 </a:tc>
               </a:tr>
-              <a:tr h="1209483">
+              <a:tr h="1074373">
                 <a:tc>
                   <a:txBody>
                     <a:bodyPr/>
                     <a:lstStyle/>
                     <a:p>
                       <a:r>
-                        <a:rPr kumimoji="1" lang="en-US" altLang="ja-JP" sz="4800" dirty="0" smtClean="0"/>
+                        <a:rPr kumimoji="1" lang="en-US" altLang="ja-JP" sz="4400" dirty="0" smtClean="0"/>
                         <a:t>12</a:t>
                       </a:r>
                       <a:r>
-                        <a:rPr kumimoji="1" lang="ja-JP" altLang="en-US" sz="4800" dirty="0" smtClean="0"/>
+                        <a:rPr kumimoji="1" lang="ja-JP" altLang="en-US" sz="4400" dirty="0" smtClean="0"/>
                         <a:t>月～</a:t>
                       </a:r>
-                      <a:endParaRPr kumimoji="1" lang="ja-JP" altLang="en-US" sz="4800" dirty="0"/>
+                      <a:endParaRPr kumimoji="1" lang="ja-JP" altLang="en-US" sz="4400" dirty="0"/>
                     </a:p>
                   </a:txBody>
                   <a:tcPr/>
@@ -12830,10 +13110,10 @@
                     <a:lstStyle/>
                     <a:p>
                       <a:r>
-                        <a:rPr kumimoji="1" lang="ja-JP" altLang="en-US" sz="5400" dirty="0" smtClean="0"/>
+                        <a:rPr kumimoji="1" lang="ja-JP" altLang="en-US" sz="4400" dirty="0" smtClean="0"/>
                         <a:t>論文執筆</a:t>
                       </a:r>
-                      <a:endParaRPr kumimoji="1" lang="ja-JP" altLang="en-US" sz="5400" dirty="0"/>
+                      <a:endParaRPr kumimoji="1" lang="ja-JP" altLang="en-US" sz="4400" dirty="0"/>
                     </a:p>
                   </a:txBody>
                   <a:tcPr/>
@@ -12851,8 +13131,8 @@
         </p:nvSpPr>
         <p:spPr>
           <a:xfrm>
-            <a:off x="14457977" y="14813832"/>
-            <a:ext cx="8354202" cy="2862322"/>
+            <a:off x="14262205" y="13222816"/>
+            <a:ext cx="8354202" cy="1200329"/>
           </a:xfrm>
           <a:prstGeom prst="rect">
             <a:avLst/>
@@ -12882,17 +13162,6 @@
             </a:r>
             <a:r>
               <a:rPr lang="en-US" altLang="ja-JP" sz="3600" dirty="0" err="1" smtClean="0"/>
-              <a:t>JSdo’it</a:t>
-            </a:r>
-            <a:endParaRPr lang="en-US" altLang="ja-JP" sz="3600" dirty="0" smtClean="0"/>
-          </a:p>
-          <a:p>
-            <a:r>
-              <a:rPr lang="en-US" altLang="ja-JP" sz="3600" dirty="0" smtClean="0"/>
-              <a:t>‣</a:t>
-            </a:r>
-            <a:r>
-              <a:rPr lang="en-US" altLang="ja-JP" sz="3600" dirty="0" err="1" smtClean="0"/>
               <a:t>Octoboard</a:t>
             </a:r>
             <a:r>
@@ -12905,30 +13174,9 @@
             </a:r>
             <a:r>
               <a:rPr lang="en-US" altLang="ja-JP" sz="2400" dirty="0" smtClean="0"/>
-              <a:t>ⅱ</a:t>
+              <a:t>ⅲ</a:t>
             </a:r>
             <a:endParaRPr kumimoji="1" lang="en-US" altLang="ja-JP" sz="2400" dirty="0" smtClean="0"/>
-          </a:p>
-          <a:p>
-            <a:r>
-              <a:rPr lang="en-US" altLang="ja-JP" sz="3600" dirty="0"/>
-              <a:t>‣Ruby on </a:t>
-            </a:r>
-            <a:r>
-              <a:rPr lang="en-US" altLang="ja-JP" sz="3600" dirty="0" smtClean="0"/>
-              <a:t>Rails3</a:t>
-            </a:r>
-          </a:p>
-          <a:p>
-            <a:r>
-              <a:rPr lang="en-US" altLang="ja-JP" sz="3600" dirty="0"/>
-              <a:t>‣</a:t>
-            </a:r>
-            <a:r>
-              <a:rPr lang="en-US" altLang="ja-JP" sz="3600" dirty="0" err="1" smtClean="0"/>
-              <a:t>cms</a:t>
-            </a:r>
-            <a:endParaRPr kumimoji="1" lang="en-US" altLang="ja-JP" sz="3600" dirty="0" smtClean="0"/>
           </a:p>
         </p:txBody>
       </p:sp>
@@ -12940,7 +13188,7 @@
         </p:nvSpPr>
         <p:spPr>
           <a:xfrm>
-            <a:off x="461832" y="6683743"/>
+            <a:off x="461832" y="6028269"/>
             <a:ext cx="4857000" cy="984885"/>
           </a:xfrm>
           <a:prstGeom prst="rect">
@@ -12955,10 +13203,10 @@
           <a:lstStyle/>
           <a:p>
             <a:r>
-              <a:rPr lang="ja-JP" altLang="en-US" dirty="0" smtClean="0"/>
+              <a:rPr lang="ja-JP" altLang="en-US" b="1" dirty="0" smtClean="0"/>
               <a:t>・研究方法</a:t>
             </a:r>
-            <a:endParaRPr kumimoji="1" lang="ja-JP" altLang="en-US" dirty="0"/>
+            <a:endParaRPr kumimoji="1" lang="ja-JP" altLang="en-US" b="1" dirty="0"/>
           </a:p>
         </p:txBody>
       </p:sp>
@@ -12969,18 +13217,18 @@
           <p:nvPr>
             <p:extLst>
               <p:ext uri="{D42A27DB-BD31-4B8C-83A1-F6EECF244321}">
-                <p14:modId xmlns:p14="http://schemas.microsoft.com/office/powerpoint/2010/main" val="3409929196"/>
+                <p14:modId xmlns:p14="http://schemas.microsoft.com/office/powerpoint/2010/main" val="2814585440"/>
               </p:ext>
             </p:extLst>
           </p:nvPr>
         </p:nvGraphicFramePr>
         <p:xfrm>
-          <a:off x="1152032" y="6743662"/>
+          <a:off x="763407" y="5505803"/>
           <a:ext cx="14041560" cy="6738649"/>
         </p:xfrm>
         <a:graphic>
           <a:graphicData uri="http://schemas.openxmlformats.org/drawingml/2006/diagram">
-            <dgm:relIds xmlns:dgm="http://schemas.openxmlformats.org/drawingml/2006/diagram" xmlns:r="http://schemas.openxmlformats.org/officeDocument/2006/relationships" r:dm="rId2" r:lo="rId3" r:qs="rId4" r:cs="rId5"/>
+            <dgm:relIds xmlns:dgm="http://schemas.openxmlformats.org/drawingml/2006/diagram" xmlns:r="http://schemas.openxmlformats.org/officeDocument/2006/relationships" r:dm="rId3" r:lo="rId4" r:qs="rId5" r:cs="rId6"/>
           </a:graphicData>
         </a:graphic>
       </p:graphicFrame>
@@ -12992,7 +13240,7 @@
         </p:nvSpPr>
         <p:spPr>
           <a:xfrm>
-            <a:off x="3132900" y="12476854"/>
+            <a:off x="3132900" y="11839485"/>
             <a:ext cx="2428500" cy="2308324"/>
           </a:xfrm>
           <a:prstGeom prst="rect">
@@ -13026,7 +13274,7 @@
         </p:nvSpPr>
         <p:spPr>
           <a:xfrm>
-            <a:off x="6769474" y="12476854"/>
+            <a:off x="6769474" y="11899426"/>
             <a:ext cx="2428500" cy="1754326"/>
           </a:xfrm>
           <a:prstGeom prst="rect">
@@ -13071,7 +13319,7 @@
         </p:nvSpPr>
         <p:spPr>
           <a:xfrm>
-            <a:off x="9858692" y="12476854"/>
+            <a:off x="9784604" y="11731213"/>
             <a:ext cx="2428500" cy="2308324"/>
           </a:xfrm>
           <a:prstGeom prst="rect">
@@ -13101,7 +13349,7 @@
         </p:nvSpPr>
         <p:spPr>
           <a:xfrm>
-            <a:off x="14333719" y="13738737"/>
+            <a:off x="14068192" y="12114869"/>
             <a:ext cx="4857000" cy="984885"/>
           </a:xfrm>
           <a:prstGeom prst="rect">
@@ -13146,14 +13394,23 @@
           <a:lstStyle/>
           <a:p>
             <a:r>
-              <a:rPr lang="ja-JP" altLang="en-US" dirty="0" smtClean="0"/>
+              <a:rPr lang="ja-JP" altLang="en-US" b="1" dirty="0" smtClean="0">
+                <a:latin typeface="HGPｺﾞｼｯｸM" panose="020B0600000000000000" pitchFamily="50" charset="-128"/>
+                <a:ea typeface="HGPｺﾞｼｯｸM" panose="020B0600000000000000" pitchFamily="50" charset="-128"/>
+              </a:rPr>
               <a:t>・進捗</a:t>
             </a:r>
             <a:r>
-              <a:rPr lang="ja-JP" altLang="en-US" dirty="0"/>
+              <a:rPr lang="ja-JP" altLang="en-US" b="1" dirty="0">
+                <a:latin typeface="HGPｺﾞｼｯｸM" panose="020B0600000000000000" pitchFamily="50" charset="-128"/>
+                <a:ea typeface="HGPｺﾞｼｯｸM" panose="020B0600000000000000" pitchFamily="50" charset="-128"/>
+              </a:rPr>
               <a:t>状況</a:t>
             </a:r>
-            <a:endParaRPr kumimoji="1" lang="ja-JP" altLang="en-US" dirty="0"/>
+            <a:endParaRPr kumimoji="1" lang="ja-JP" altLang="en-US" b="1" dirty="0">
+              <a:latin typeface="HGPｺﾞｼｯｸM" panose="020B0600000000000000" pitchFamily="50" charset="-128"/>
+              <a:ea typeface="HGPｺﾞｼｯｸM" panose="020B0600000000000000" pitchFamily="50" charset="-128"/>
+            </a:endParaRPr>
           </a:p>
         </p:txBody>
       </p:sp>
@@ -13165,7 +13422,7 @@
         </p:nvSpPr>
         <p:spPr>
           <a:xfrm>
-            <a:off x="150145" y="23645172"/>
+            <a:off x="56645" y="26050796"/>
             <a:ext cx="7727542" cy="984885"/>
           </a:xfrm>
           <a:prstGeom prst="rect">
@@ -13180,10 +13437,10 @@
           <a:lstStyle/>
           <a:p>
             <a:r>
-              <a:rPr kumimoji="1" lang="ja-JP" altLang="en-US" dirty="0" smtClean="0"/>
+              <a:rPr kumimoji="1" lang="ja-JP" altLang="en-US" b="1" dirty="0" smtClean="0"/>
               <a:t>・成果物のイメージ</a:t>
             </a:r>
-            <a:endParaRPr kumimoji="1" lang="ja-JP" altLang="en-US" dirty="0"/>
+            <a:endParaRPr kumimoji="1" lang="ja-JP" altLang="en-US" b="1" dirty="0"/>
           </a:p>
         </p:txBody>
       </p:sp>
@@ -13195,8 +13452,8 @@
         </p:nvSpPr>
         <p:spPr>
           <a:xfrm>
-            <a:off x="9886284" y="23562853"/>
-            <a:ext cx="4857000" cy="984885"/>
+            <a:off x="9625450" y="24801677"/>
+            <a:ext cx="4442742" cy="984885"/>
           </a:xfrm>
           <a:prstGeom prst="rect">
             <a:avLst/>
@@ -13210,10 +13467,10 @@
           <a:lstStyle/>
           <a:p>
             <a:r>
-              <a:rPr lang="ja-JP" altLang="en-US" dirty="0" smtClean="0"/>
+              <a:rPr lang="ja-JP" altLang="en-US" b="1" dirty="0" smtClean="0"/>
               <a:t>・今後の計画</a:t>
             </a:r>
-            <a:endParaRPr kumimoji="1" lang="ja-JP" altLang="en-US" dirty="0"/>
+            <a:endParaRPr kumimoji="1" lang="ja-JP" altLang="en-US" b="1" dirty="0"/>
           </a:p>
         </p:txBody>
       </p:sp>
@@ -13225,8 +13482,8 @@
         </p:nvSpPr>
         <p:spPr>
           <a:xfrm>
-            <a:off x="461832" y="21188659"/>
-            <a:ext cx="18728887" cy="2123658"/>
+            <a:off x="1" y="21146807"/>
+            <a:ext cx="9858691" cy="4154984"/>
           </a:xfrm>
           <a:prstGeom prst="rect">
             <a:avLst/>
@@ -13261,7 +13518,15 @@
             </a:r>
             <a:r>
               <a:rPr lang="ja-JP" altLang="en-US" sz="4400" dirty="0"/>
-              <a:t>プロジェクトの実態を調査</a:t>
+              <a:t>プロジェクト</a:t>
+            </a:r>
+            <a:r>
+              <a:rPr lang="ja-JP" altLang="en-US" sz="4400" dirty="0" smtClean="0"/>
+              <a:t>の実態</a:t>
+            </a:r>
+            <a:r>
+              <a:rPr lang="ja-JP" altLang="en-US" sz="4400" dirty="0"/>
+              <a:t>を調査</a:t>
             </a:r>
             <a:r>
               <a:rPr lang="ja-JP" altLang="en-US" sz="4400" dirty="0" smtClean="0"/>
@@ -13333,7 +13598,7 @@
         </p:nvSpPr>
         <p:spPr>
           <a:xfrm>
-            <a:off x="-9548" y="25005083"/>
+            <a:off x="150145" y="27237330"/>
             <a:ext cx="9634459" cy="2800767"/>
           </a:xfrm>
           <a:prstGeom prst="rect">
@@ -13380,7 +13645,7 @@
           <p:nvPr/>
         </p:nvPicPr>
         <p:blipFill>
-          <a:blip r:embed="rId7">
+          <a:blip r:embed="rId8">
             <a:extLst>
               <a:ext uri="{28A0092B-C50C-407E-A947-70E740481C1C}">
                 <a14:useLocalDpi xmlns:a14="http://schemas.microsoft.com/office/drawing/2010/main" val="0"/>
@@ -13444,7 +13709,7 @@
           <p:nvPr/>
         </p:nvPicPr>
         <p:blipFill>
-          <a:blip r:embed="rId8">
+          <a:blip r:embed="rId9">
             <a:extLst>
               <a:ext uri="{28A0092B-C50C-407E-A947-70E740481C1C}">
                 <a14:useLocalDpi xmlns:a14="http://schemas.microsoft.com/office/drawing/2010/main" val="0"/>
@@ -13508,7 +13773,7 @@
           <p:nvPr/>
         </p:nvPicPr>
         <p:blipFill>
-          <a:blip r:embed="rId9">
+          <a:blip r:embed="rId10">
             <a:extLst>
               <a:ext uri="{28A0092B-C50C-407E-A947-70E740481C1C}">
                 <a14:useLocalDpi xmlns:a14="http://schemas.microsoft.com/office/drawing/2010/main" val="0"/>
@@ -13571,7 +13836,7 @@
         </p:nvSpPr>
         <p:spPr>
           <a:xfrm>
-            <a:off x="14581832" y="6520712"/>
+            <a:off x="14262205" y="5562923"/>
             <a:ext cx="6120680" cy="5683232"/>
           </a:xfrm>
           <a:prstGeom prst="foldedCorner">
@@ -13602,67 +13867,62 @@
           <a:lstStyle/>
           <a:p>
             <a:pPr algn="ctr"/>
-            <a:r>
-              <a:rPr lang="en-US" altLang="ja-JP" dirty="0" smtClean="0"/>
-              <a:t>OSS</a:t>
-            </a:r>
-            <a:r>
-              <a:rPr lang="ja-JP" altLang="en-US" dirty="0" smtClean="0"/>
-              <a:t>プロジェクトにおけるプロジェト</a:t>
-            </a:r>
-            <a:endParaRPr lang="en-US" altLang="ja-JP" dirty="0" smtClean="0"/>
+            <a:endParaRPr lang="en-US" altLang="ja-JP" sz="4400" dirty="0" smtClean="0"/>
           </a:p>
           <a:p>
             <a:pPr algn="ctr"/>
             <a:r>
-              <a:rPr lang="ja-JP" altLang="en-US" dirty="0" smtClean="0"/>
-              <a:t>マネジメント手法の実態が明らかに</a:t>
-            </a:r>
-            <a:endParaRPr lang="ja-JP" altLang="en-US" dirty="0"/>
+              <a:rPr lang="ja-JP" altLang="en-US" sz="5400" dirty="0" smtClean="0"/>
+              <a:t>解析したデータを</a:t>
+            </a:r>
+            <a:r>
+              <a:rPr lang="en-US" altLang="ja-JP" sz="5400" dirty="0" smtClean="0"/>
+              <a:t>PMBOK</a:t>
+            </a:r>
+            <a:r>
+              <a:rPr lang="ja-JP" altLang="en-US" sz="5400" dirty="0"/>
+              <a:t>で</a:t>
+            </a:r>
+            <a:r>
+              <a:rPr lang="ja-JP" altLang="en-US" sz="5400" dirty="0" smtClean="0"/>
+              <a:t>参照し</a:t>
+            </a:r>
+            <a:r>
+              <a:rPr lang="ja-JP" altLang="en-US" sz="5400" dirty="0" smtClean="0"/>
+              <a:t>，</a:t>
+            </a:r>
+            <a:endParaRPr lang="en-US" altLang="ja-JP" sz="5400" dirty="0" smtClean="0"/>
+          </a:p>
+          <a:p>
+            <a:pPr algn="ctr"/>
+            <a:r>
+              <a:rPr lang="ja-JP" altLang="en-US" sz="5400" dirty="0" smtClean="0"/>
+              <a:t>実際にどの</a:t>
+            </a:r>
+            <a:r>
+              <a:rPr lang="ja-JP" altLang="en-US" sz="5400" dirty="0"/>
+              <a:t>よう</a:t>
+            </a:r>
+            <a:r>
+              <a:rPr lang="ja-JP" altLang="en-US" sz="5400" dirty="0" smtClean="0"/>
+              <a:t>な</a:t>
+            </a:r>
+            <a:r>
+              <a:rPr lang="en-US" altLang="ja-JP" sz="5400" dirty="0" smtClean="0"/>
+              <a:t>PM</a:t>
+            </a:r>
+            <a:r>
+              <a:rPr lang="ja-JP" altLang="en-US" sz="5400" dirty="0" smtClean="0"/>
+              <a:t>手法が行われているのか</a:t>
+            </a:r>
+            <a:r>
+              <a:rPr lang="ja-JP" altLang="en-US" sz="5400" dirty="0" smtClean="0"/>
+              <a:t>を明らかにさせる</a:t>
+            </a:r>
+            <a:endParaRPr lang="ja-JP" altLang="en-US" sz="5400" dirty="0"/>
           </a:p>
         </p:txBody>
       </p:sp>
-      <p:pic>
-        <p:nvPicPr>
-          <p:cNvPr id="2053" name="Picture 5" descr="D:\新しいフォルダー\キャプチャ1.PNG"/>
-          <p:cNvPicPr>
-            <a:picLocks noChangeAspect="1" noChangeArrowheads="1"/>
-          </p:cNvPicPr>
-          <p:nvPr/>
-        </p:nvPicPr>
-        <p:blipFill>
-          <a:blip r:embed="rId10">
-            <a:extLst>
-              <a:ext uri="{28A0092B-C50C-407E-A947-70E740481C1C}">
-                <a14:useLocalDpi xmlns:a14="http://schemas.microsoft.com/office/drawing/2010/main" val="0"/>
-              </a:ext>
-            </a:extLst>
-          </a:blip>
-          <a:srcRect/>
-          <a:stretch>
-            <a:fillRect/>
-          </a:stretch>
-        </p:blipFill>
-        <p:spPr bwMode="auto">
-          <a:xfrm>
-            <a:off x="1349297" y="14813832"/>
-            <a:ext cx="12983668" cy="4933370"/>
-          </a:xfrm>
-          <a:prstGeom prst="rect">
-            <a:avLst/>
-          </a:prstGeom>
-          <a:noFill/>
-          <a:extLst>
-            <a:ext uri="{909E8E84-426E-40DD-AFC4-6F175D3DCCD1}">
-              <a14:hiddenFill xmlns:a14="http://schemas.microsoft.com/office/drawing/2010/main">
-                <a:solidFill>
-                  <a:srgbClr val="FFFFFF"/>
-                </a:solidFill>
-              </a14:hiddenFill>
-            </a:ext>
-          </a:extLst>
-        </p:spPr>
-      </p:pic>
       <p:sp>
         <p:nvSpPr>
           <p:cNvPr id="23" name="テキスト ボックス 22"/>
@@ -13671,7 +13931,7 @@
         </p:nvSpPr>
         <p:spPr>
           <a:xfrm>
-            <a:off x="7721104" y="19747202"/>
+            <a:off x="6448190" y="19485592"/>
             <a:ext cx="6400376" cy="523220"/>
           </a:xfrm>
           <a:prstGeom prst="rect">
@@ -13695,10 +13955,10 @@
               <a:rPr lang="en-US" altLang="ja-JP" sz="2000" dirty="0">
                 <a:latin typeface="+mj-ea"/>
               </a:rPr>
-              <a:t>ⅱ</a:t>
-            </a:r>
-            <a:r>
-              <a:rPr lang="ja-JP" altLang="en-US" sz="2000" dirty="0">
+              <a:t>ⅲ</a:t>
+            </a:r>
+            <a:r>
+              <a:rPr lang="ja-JP" altLang="en-US" sz="2000" dirty="0" smtClean="0">
                 <a:latin typeface="+mj-ea"/>
               </a:rPr>
               <a:t> </a:t>
@@ -13776,7 +14036,7 @@
         </p:nvCxnSpPr>
         <p:spPr>
           <a:xfrm>
-            <a:off x="1349297" y="14785178"/>
+            <a:off x="231610" y="14381703"/>
             <a:ext cx="0" cy="4962024"/>
           </a:xfrm>
           <a:prstGeom prst="line">
@@ -13821,7 +14081,7 @@
         </p:blipFill>
         <p:spPr bwMode="auto">
           <a:xfrm>
-            <a:off x="17642172" y="17668400"/>
+            <a:off x="19806892" y="12491798"/>
             <a:ext cx="1791240" cy="1554466"/>
           </a:xfrm>
           <a:prstGeom prst="rect">
@@ -13885,7 +14145,7 @@
         </p:blipFill>
         <p:spPr bwMode="auto">
           <a:xfrm>
-            <a:off x="387701" y="28526369"/>
+            <a:off x="8236378" y="24817019"/>
             <a:ext cx="961596" cy="969543"/>
           </a:xfrm>
           <a:prstGeom prst="rect">
@@ -13926,6 +14186,200 @@
           </a:extLst>
         </p:spPr>
       </p:pic>
+      <p:sp>
+        <p:nvSpPr>
+          <p:cNvPr id="25" name="テキスト ボックス 24"/>
+          <p:cNvSpPr txBox="1"/>
+          <p:nvPr/>
+        </p:nvSpPr>
+        <p:spPr>
+          <a:xfrm>
+            <a:off x="14222034" y="14754918"/>
+            <a:ext cx="4857000" cy="984885"/>
+          </a:xfrm>
+          <a:prstGeom prst="rect">
+            <a:avLst/>
+          </a:prstGeom>
+          <a:noFill/>
+        </p:spPr>
+        <p:txBody>
+          <a:bodyPr wrap="square" rtlCol="0">
+            <a:spAutoFit/>
+          </a:bodyPr>
+          <a:lstStyle/>
+          <a:p>
+            <a:r>
+              <a:rPr lang="ja-JP" altLang="en-US" dirty="0" smtClean="0"/>
+              <a:t>・調査項目</a:t>
+            </a:r>
+            <a:endParaRPr kumimoji="1" lang="ja-JP" altLang="en-US" dirty="0"/>
+          </a:p>
+        </p:txBody>
+      </p:sp>
+      <p:sp>
+        <p:nvSpPr>
+          <p:cNvPr id="2" name="正方形/長方形 1"/>
+          <p:cNvSpPr/>
+          <p:nvPr/>
+        </p:nvSpPr>
+        <p:spPr>
+          <a:xfrm>
+            <a:off x="14329027" y="15782150"/>
+            <a:ext cx="6804968" cy="2369880"/>
+          </a:xfrm>
+          <a:prstGeom prst="rect">
+            <a:avLst/>
+          </a:prstGeom>
+        </p:spPr>
+        <p:txBody>
+          <a:bodyPr wrap="square">
+            <a:spAutoFit/>
+          </a:bodyPr>
+          <a:lstStyle/>
+          <a:p>
+            <a:r>
+              <a:rPr lang="en-US" altLang="ja-JP" sz="4000" dirty="0"/>
+              <a:t>‣Ruby on </a:t>
+            </a:r>
+            <a:r>
+              <a:rPr lang="en-US" altLang="ja-JP" sz="4000" dirty="0" smtClean="0"/>
+              <a:t>Rails3</a:t>
+            </a:r>
+            <a:r>
+              <a:rPr lang="ja-JP" altLang="en-US" sz="4000" dirty="0" smtClean="0"/>
+              <a:t>　</a:t>
+            </a:r>
+            <a:r>
+              <a:rPr lang="ja-JP" altLang="en-US" sz="3200" dirty="0" smtClean="0"/>
+              <a:t>アプリ開発プ　　</a:t>
+            </a:r>
+            <a:endParaRPr lang="en-US" altLang="ja-JP" sz="3200" dirty="0" smtClean="0"/>
+          </a:p>
+          <a:p>
+            <a:r>
+              <a:rPr lang="ja-JP" altLang="en-US" sz="3200" dirty="0" smtClean="0"/>
+              <a:t>　ロジェクト </a:t>
+            </a:r>
+            <a:r>
+              <a:rPr lang="ja-JP" altLang="en-US" sz="2400" dirty="0" smtClean="0"/>
+              <a:t>図</a:t>
+            </a:r>
+            <a:r>
+              <a:rPr lang="en-US" altLang="ja-JP" sz="2400" dirty="0"/>
+              <a:t>ⅳ</a:t>
+            </a:r>
+          </a:p>
+          <a:p>
+            <a:r>
+              <a:rPr lang="en-US" altLang="ja-JP" sz="4000" dirty="0"/>
+              <a:t>‣</a:t>
+            </a:r>
+            <a:r>
+              <a:rPr lang="en-US" altLang="ja-JP" sz="4000" dirty="0" err="1" smtClean="0"/>
+              <a:t>cms</a:t>
+            </a:r>
+            <a:r>
+              <a:rPr lang="ja-JP" altLang="en-US" sz="3600" dirty="0" smtClean="0"/>
+              <a:t>開発プロジェクト・・・</a:t>
+            </a:r>
+            <a:endParaRPr lang="en-US" altLang="ja-JP" sz="3600" dirty="0" smtClean="0"/>
+          </a:p>
+          <a:p>
+            <a:endParaRPr lang="en-US" altLang="ja-JP" sz="3600" dirty="0"/>
+          </a:p>
+        </p:txBody>
+      </p:sp>
+      <p:pic>
+        <p:nvPicPr>
+          <p:cNvPr id="2053" name="Picture 5" descr="D:\新しいフォルダー\キャプチャ1.PNG"/>
+          <p:cNvPicPr>
+            <a:picLocks noChangeAspect="1" noChangeArrowheads="1"/>
+          </p:cNvPicPr>
+          <p:nvPr/>
+        </p:nvPicPr>
+        <p:blipFill>
+          <a:blip r:embed="rId14">
+            <a:extLst>
+              <a:ext uri="{28A0092B-C50C-407E-A947-70E740481C1C}">
+                <a14:useLocalDpi xmlns:a14="http://schemas.microsoft.com/office/drawing/2010/main" val="0"/>
+              </a:ext>
+            </a:extLst>
+          </a:blip>
+          <a:srcRect/>
+          <a:stretch>
+            <a:fillRect/>
+          </a:stretch>
+        </p:blipFill>
+        <p:spPr bwMode="auto">
+          <a:xfrm>
+            <a:off x="277640" y="14423194"/>
+            <a:ext cx="12983668" cy="4933370"/>
+          </a:xfrm>
+          <a:prstGeom prst="rect">
+            <a:avLst/>
+          </a:prstGeom>
+          <a:noFill/>
+          <a:extLst>
+            <a:ext uri="{909E8E84-426E-40DD-AFC4-6F175D3DCCD1}">
+              <a14:hiddenFill xmlns:a14="http://schemas.microsoft.com/office/drawing/2010/main">
+                <a:solidFill>
+                  <a:srgbClr val="FFFFFF"/>
+                </a:solidFill>
+              </a14:hiddenFill>
+            </a:ext>
+          </a:extLst>
+        </p:spPr>
+      </p:pic>
+      <p:sp>
+        <p:nvSpPr>
+          <p:cNvPr id="7" name="テキスト ボックス 6"/>
+          <p:cNvSpPr txBox="1"/>
+          <p:nvPr/>
+        </p:nvSpPr>
+        <p:spPr>
+          <a:xfrm>
+            <a:off x="14068192" y="24401567"/>
+            <a:ext cx="7065803" cy="461665"/>
+          </a:xfrm>
+          <a:prstGeom prst="rect">
+            <a:avLst/>
+          </a:prstGeom>
+          <a:noFill/>
+        </p:spPr>
+        <p:txBody>
+          <a:bodyPr wrap="square" rtlCol="0">
+            <a:spAutoFit/>
+          </a:bodyPr>
+          <a:lstStyle/>
+          <a:p>
+            <a:r>
+              <a:rPr kumimoji="1" lang="ja-JP" altLang="en-US" sz="2400" dirty="0" smtClean="0"/>
+              <a:t>図</a:t>
+            </a:r>
+            <a:r>
+              <a:rPr lang="en-US" altLang="ja-JP" sz="2400" dirty="0"/>
+              <a:t>ⅳ</a:t>
+            </a:r>
+            <a:r>
+              <a:rPr kumimoji="1" lang="ja-JP" altLang="en-US" sz="2400" dirty="0" smtClean="0"/>
+              <a:t>　</a:t>
+            </a:r>
+            <a:r>
+              <a:rPr kumimoji="1" lang="en-US" altLang="ja-JP" sz="2400" dirty="0" err="1" smtClean="0"/>
+              <a:t>Gitlab</a:t>
+            </a:r>
+            <a:r>
+              <a:rPr kumimoji="1" lang="en-US" altLang="ja-JP" sz="2400" dirty="0" smtClean="0"/>
+              <a:t>  </a:t>
+            </a:r>
+            <a:r>
+              <a:rPr kumimoji="1" lang="en-US" altLang="ja-JP" sz="2400" dirty="0" err="1" smtClean="0"/>
+              <a:t>gitlabhp</a:t>
+            </a:r>
+            <a:endParaRPr kumimoji="1" lang="ja-JP" altLang="en-US" sz="2400" dirty="0"/>
+          </a:p>
+        </p:txBody>
+      </p:sp>
     </p:spTree>
     <p:extLst>
       <p:ext uri="{BB962C8B-B14F-4D97-AF65-F5344CB8AC3E}">

--- a/卒業論文/2012/関口元基/卒論中間ポスター。.pptx
+++ b/卒業論文/2012/関口元基/卒論中間ポスター。.pptx
@@ -1893,7 +1893,11 @@
         <a:p>
           <a:r>
             <a:rPr kumimoji="1" lang="ja-JP" altLang="en-US" sz="3600" dirty="0" smtClean="0"/>
-            <a:t>バグ報告や機能の追加方向性の議論などに使われる</a:t>
+            <a:t>バグ報告や機能の追加方向性の議論などに</a:t>
+          </a:r>
+          <a:r>
+            <a:rPr kumimoji="1" lang="ja-JP" altLang="en-US" sz="3600" dirty="0" smtClean="0"/>
+            <a:t>使われる．</a:t>
           </a:r>
           <a:endParaRPr kumimoji="1" lang="ja-JP" altLang="en-US" sz="3600" dirty="0"/>
         </a:p>
@@ -2012,17 +2016,25 @@
           </a:r>
           <a:r>
             <a:rPr kumimoji="1" lang="ja-JP" altLang="en-US" sz="3600" dirty="0" smtClean="0"/>
-            <a:t>した変更や機能を追加する</a:t>
+            <a:t>した変更や機能を追加</a:t>
           </a:r>
           <a:r>
-            <a:rPr kumimoji="1" lang="ja-JP" altLang="en-US" sz="2800" dirty="0" smtClean="0"/>
-            <a:t>図</a:t>
+            <a:rPr kumimoji="1" lang="ja-JP" altLang="en-US" sz="3600" dirty="0" smtClean="0"/>
+            <a:t>する．</a:t>
           </a:r>
           <a:r>
-            <a:rPr kumimoji="1" lang="en-US" altLang="ja-JP" sz="2800" dirty="0" smtClean="0"/>
+            <a:rPr kumimoji="1" lang="ja-JP" altLang="en-US" sz="2400" dirty="0" smtClean="0"/>
+            <a:t>（図</a:t>
+          </a:r>
+          <a:r>
+            <a:rPr kumimoji="1" lang="en-US" altLang="ja-JP" sz="2400" dirty="0" smtClean="0"/>
             <a:t>ⅱ</a:t>
           </a:r>
-          <a:endParaRPr kumimoji="1" lang="ja-JP" altLang="en-US" sz="2800" dirty="0"/>
+          <a:r>
+            <a:rPr kumimoji="1" lang="ja-JP" altLang="en-US" sz="2400" dirty="0" smtClean="0"/>
+            <a:t>）</a:t>
+          </a:r>
+          <a:endParaRPr kumimoji="1" lang="ja-JP" altLang="en-US" sz="2400" dirty="0"/>
         </a:p>
       </dgm:t>
     </dgm:pt>
@@ -2057,15 +2069,23 @@
         <a:p>
           <a:r>
             <a:rPr kumimoji="1" lang="ja-JP" altLang="en-US" sz="3600" dirty="0" smtClean="0"/>
-            <a:t>リポジトリを公開すればだれでもそのリポジトリを複製して開発に参加できる</a:t>
+            <a:t>リポジトリを公開すればだれでもそのリポジトリを複製して開発に参加</a:t>
+          </a:r>
+          <a:r>
+            <a:rPr kumimoji="1" lang="ja-JP" altLang="en-US" sz="3600" dirty="0" smtClean="0"/>
+            <a:t>できる．</a:t>
           </a:r>
           <a:r>
             <a:rPr kumimoji="1" lang="ja-JP" altLang="en-US" sz="2400" dirty="0" smtClean="0"/>
-            <a:t>図</a:t>
+            <a:t>（図</a:t>
           </a:r>
           <a:r>
             <a:rPr kumimoji="1" lang="en-US" altLang="ja-JP" sz="2400" dirty="0" smtClean="0"/>
             <a:t>ⅰ</a:t>
+          </a:r>
+          <a:r>
+            <a:rPr kumimoji="1" lang="ja-JP" altLang="en-US" sz="2400" dirty="0" smtClean="0"/>
+            <a:t>）</a:t>
           </a:r>
           <a:endParaRPr kumimoji="1" lang="ja-JP" altLang="en-US" sz="2400" dirty="0"/>
         </a:p>
@@ -2436,11 +2456,7 @@
         <a:p>
           <a:r>
             <a:rPr kumimoji="1" lang="ja-JP" altLang="en-US" sz="6000" dirty="0" smtClean="0"/>
-            <a:t>統計</a:t>
-          </a:r>
-          <a:r>
-            <a:rPr kumimoji="1" lang="ja-JP" altLang="en-US" sz="6000" dirty="0" smtClean="0"/>
-            <a:t>・データマイニングで解析</a:t>
+            <a:t>統計・データマイニングで解析</a:t>
           </a:r>
           <a:endParaRPr kumimoji="1" lang="ja-JP" altLang="en-US" sz="6000" dirty="0"/>
         </a:p>
@@ -2927,15 +2943,23 @@
           </a:pPr>
           <a:r>
             <a:rPr kumimoji="1" lang="ja-JP" altLang="en-US" sz="3600" kern="1200" dirty="0" smtClean="0"/>
-            <a:t>リポジトリを公開すればだれでもそのリポジトリを複製して開発に参加できる</a:t>
+            <a:t>リポジトリを公開すればだれでもそのリポジトリを複製して開発に参加</a:t>
+          </a:r>
+          <a:r>
+            <a:rPr kumimoji="1" lang="ja-JP" altLang="en-US" sz="3600" kern="1200" dirty="0" smtClean="0"/>
+            <a:t>できる．</a:t>
           </a:r>
           <a:r>
             <a:rPr kumimoji="1" lang="ja-JP" altLang="en-US" sz="2400" kern="1200" dirty="0" smtClean="0"/>
-            <a:t>図</a:t>
+            <a:t>（図</a:t>
           </a:r>
           <a:r>
             <a:rPr kumimoji="1" lang="en-US" altLang="ja-JP" sz="2400" kern="1200" dirty="0" smtClean="0"/>
             <a:t>ⅰ</a:t>
+          </a:r>
+          <a:r>
+            <a:rPr kumimoji="1" lang="ja-JP" altLang="en-US" sz="2400" kern="1200" dirty="0" smtClean="0"/>
+            <a:t>）</a:t>
           </a:r>
           <a:endParaRPr kumimoji="1" lang="ja-JP" altLang="en-US" sz="2400" kern="1200" dirty="0"/>
         </a:p>
@@ -3170,7 +3194,11 @@
           </a:pPr>
           <a:r>
             <a:rPr kumimoji="1" lang="ja-JP" altLang="en-US" sz="3600" kern="1200" dirty="0" smtClean="0"/>
-            <a:t>バグ報告や機能の追加方向性の議論などに使われる</a:t>
+            <a:t>バグ報告や機能の追加方向性の議論などに</a:t>
+          </a:r>
+          <a:r>
+            <a:rPr kumimoji="1" lang="ja-JP" altLang="en-US" sz="3600" kern="1200" dirty="0" smtClean="0"/>
+            <a:t>使われる．</a:t>
           </a:r>
           <a:endParaRPr kumimoji="1" lang="ja-JP" altLang="en-US" sz="3600" kern="1200" dirty="0"/>
         </a:p>
@@ -3413,17 +3441,25 @@
           </a:r>
           <a:r>
             <a:rPr kumimoji="1" lang="ja-JP" altLang="en-US" sz="3600" kern="1200" dirty="0" smtClean="0"/>
-            <a:t>した変更や機能を追加する</a:t>
+            <a:t>した変更や機能を追加</a:t>
           </a:r>
           <a:r>
-            <a:rPr kumimoji="1" lang="ja-JP" altLang="en-US" sz="2800" kern="1200" dirty="0" smtClean="0"/>
-            <a:t>図</a:t>
+            <a:rPr kumimoji="1" lang="ja-JP" altLang="en-US" sz="3600" kern="1200" dirty="0" smtClean="0"/>
+            <a:t>する．</a:t>
           </a:r>
           <a:r>
-            <a:rPr kumimoji="1" lang="en-US" altLang="ja-JP" sz="2800" kern="1200" dirty="0" smtClean="0"/>
+            <a:rPr kumimoji="1" lang="ja-JP" altLang="en-US" sz="2400" kern="1200" dirty="0" smtClean="0"/>
+            <a:t>（図</a:t>
+          </a:r>
+          <a:r>
+            <a:rPr kumimoji="1" lang="en-US" altLang="ja-JP" sz="2400" kern="1200" dirty="0" smtClean="0"/>
             <a:t>ⅱ</a:t>
           </a:r>
-          <a:endParaRPr kumimoji="1" lang="ja-JP" altLang="en-US" sz="2800" kern="1200" dirty="0"/>
+          <a:r>
+            <a:rPr kumimoji="1" lang="ja-JP" altLang="en-US" sz="2400" kern="1200" dirty="0" smtClean="0"/>
+            <a:t>）</a:t>
+          </a:r>
+          <a:endParaRPr kumimoji="1" lang="ja-JP" altLang="en-US" sz="2400" kern="1200" dirty="0"/>
         </a:p>
       </dsp:txBody>
       <dsp:txXfrm>
@@ -3824,11 +3860,7 @@
           </a:pPr>
           <a:r>
             <a:rPr kumimoji="1" lang="ja-JP" altLang="en-US" sz="6000" kern="1200" dirty="0" smtClean="0"/>
-            <a:t>統計</a:t>
-          </a:r>
-          <a:r>
-            <a:rPr kumimoji="1" lang="ja-JP" altLang="en-US" sz="6000" kern="1200" dirty="0" smtClean="0"/>
-            <a:t>・データマイニングで解析</a:t>
+            <a:t>統計・データマイニングで解析</a:t>
           </a:r>
           <a:endParaRPr kumimoji="1" lang="ja-JP" altLang="en-US" sz="6000" kern="1200" dirty="0"/>
         </a:p>
@@ -8070,7 +8102,7 @@
           <a:p>
             <a:fld id="{5BAB8F4C-03BC-4B6E-A455-F3B383D95D62}" type="datetimeFigureOut">
               <a:rPr kumimoji="1" lang="ja-JP" altLang="en-US" smtClean="0"/>
-              <a:t>2013/10/8</a:t>
+              <a:t>2013/10/9</a:t>
             </a:fld>
             <a:endParaRPr kumimoji="1" lang="ja-JP" altLang="en-US"/>
           </a:p>
@@ -8272,7 +8304,7 @@
           <a:p>
             <a:fld id="{5BAB8F4C-03BC-4B6E-A455-F3B383D95D62}" type="datetimeFigureOut">
               <a:rPr kumimoji="1" lang="ja-JP" altLang="en-US" smtClean="0"/>
-              <a:t>2013/10/8</a:t>
+              <a:t>2013/10/9</a:t>
             </a:fld>
             <a:endParaRPr kumimoji="1" lang="ja-JP" altLang="en-US"/>
           </a:p>
@@ -8484,7 +8516,7 @@
           <a:p>
             <a:fld id="{5BAB8F4C-03BC-4B6E-A455-F3B383D95D62}" type="datetimeFigureOut">
               <a:rPr kumimoji="1" lang="ja-JP" altLang="en-US" smtClean="0"/>
-              <a:t>2013/10/8</a:t>
+              <a:t>2013/10/9</a:t>
             </a:fld>
             <a:endParaRPr kumimoji="1" lang="ja-JP" altLang="en-US"/>
           </a:p>
@@ -8686,7 +8718,7 @@
           <a:p>
             <a:fld id="{5BAB8F4C-03BC-4B6E-A455-F3B383D95D62}" type="datetimeFigureOut">
               <a:rPr kumimoji="1" lang="ja-JP" altLang="en-US" smtClean="0"/>
-              <a:t>2013/10/8</a:t>
+              <a:t>2013/10/9</a:t>
             </a:fld>
             <a:endParaRPr kumimoji="1" lang="ja-JP" altLang="en-US"/>
           </a:p>
@@ -8932,7 +8964,7 @@
           <a:p>
             <a:fld id="{5BAB8F4C-03BC-4B6E-A455-F3B383D95D62}" type="datetimeFigureOut">
               <a:rPr kumimoji="1" lang="ja-JP" altLang="en-US" smtClean="0"/>
-              <a:t>2013/10/8</a:t>
+              <a:t>2013/10/9</a:t>
             </a:fld>
             <a:endParaRPr kumimoji="1" lang="ja-JP" altLang="en-US"/>
           </a:p>
@@ -9284,7 +9316,7 @@
           <a:p>
             <a:fld id="{5BAB8F4C-03BC-4B6E-A455-F3B383D95D62}" type="datetimeFigureOut">
               <a:rPr kumimoji="1" lang="ja-JP" altLang="en-US" smtClean="0"/>
-              <a:t>2013/10/8</a:t>
+              <a:t>2013/10/9</a:t>
             </a:fld>
             <a:endParaRPr kumimoji="1" lang="ja-JP" altLang="en-US"/>
           </a:p>
@@ -9775,7 +9807,7 @@
           <a:p>
             <a:fld id="{5BAB8F4C-03BC-4B6E-A455-F3B383D95D62}" type="datetimeFigureOut">
               <a:rPr kumimoji="1" lang="ja-JP" altLang="en-US" smtClean="0"/>
-              <a:t>2013/10/8</a:t>
+              <a:t>2013/10/9</a:t>
             </a:fld>
             <a:endParaRPr kumimoji="1" lang="ja-JP" altLang="en-US"/>
           </a:p>
@@ -9893,7 +9925,7 @@
           <a:p>
             <a:fld id="{5BAB8F4C-03BC-4B6E-A455-F3B383D95D62}" type="datetimeFigureOut">
               <a:rPr kumimoji="1" lang="ja-JP" altLang="en-US" smtClean="0"/>
-              <a:t>2013/10/8</a:t>
+              <a:t>2013/10/9</a:t>
             </a:fld>
             <a:endParaRPr kumimoji="1" lang="ja-JP" altLang="en-US"/>
           </a:p>
@@ -9988,7 +10020,7 @@
           <a:p>
             <a:fld id="{5BAB8F4C-03BC-4B6E-A455-F3B383D95D62}" type="datetimeFigureOut">
               <a:rPr kumimoji="1" lang="ja-JP" altLang="en-US" smtClean="0"/>
-              <a:t>2013/10/8</a:t>
+              <a:t>2013/10/9</a:t>
             </a:fld>
             <a:endParaRPr kumimoji="1" lang="ja-JP" altLang="en-US"/>
           </a:p>
@@ -10297,7 +10329,7 @@
           <a:p>
             <a:fld id="{5BAB8F4C-03BC-4B6E-A455-F3B383D95D62}" type="datetimeFigureOut">
               <a:rPr kumimoji="1" lang="ja-JP" altLang="en-US" smtClean="0"/>
-              <a:t>2013/10/8</a:t>
+              <a:t>2013/10/9</a:t>
             </a:fld>
             <a:endParaRPr kumimoji="1" lang="ja-JP" altLang="en-US"/>
           </a:p>
@@ -10550,7 +10582,7 @@
           <a:p>
             <a:fld id="{5BAB8F4C-03BC-4B6E-A455-F3B383D95D62}" type="datetimeFigureOut">
               <a:rPr kumimoji="1" lang="ja-JP" altLang="en-US" smtClean="0"/>
-              <a:t>2013/10/8</a:t>
+              <a:t>2013/10/9</a:t>
             </a:fld>
             <a:endParaRPr kumimoji="1" lang="ja-JP" altLang="en-US"/>
           </a:p>
@@ -10795,7 +10827,7 @@
           <a:p>
             <a:fld id="{5BAB8F4C-03BC-4B6E-A455-F3B383D95D62}" type="datetimeFigureOut">
               <a:rPr kumimoji="1" lang="ja-JP" altLang="en-US" smtClean="0"/>
-              <a:t>2013/10/8</a:t>
+              <a:t>2013/10/9</a:t>
             </a:fld>
             <a:endParaRPr kumimoji="1" lang="ja-JP" altLang="en-US"/>
           </a:p>
@@ -11193,7 +11225,7 @@
         </p:blipFill>
         <p:spPr bwMode="auto">
           <a:xfrm>
-            <a:off x="14725847" y="7046924"/>
+            <a:off x="14725847" y="6776410"/>
             <a:ext cx="6522037" cy="3954325"/>
           </a:xfrm>
           <a:prstGeom prst="rect">
@@ -11512,7 +11544,11 @@
             </a:r>
             <a:r>
               <a:rPr kumimoji="1" lang="ja-JP" altLang="en-US" sz="3600" dirty="0" smtClean="0"/>
-              <a:t>がよく利用されている</a:t>
+              <a:t>がよく利用されて</a:t>
+            </a:r>
+            <a:r>
+              <a:rPr kumimoji="1" lang="ja-JP" altLang="en-US" sz="3600" dirty="0" smtClean="0"/>
+              <a:t>いる．</a:t>
             </a:r>
             <a:endParaRPr kumimoji="1" lang="ja-JP" altLang="en-US" sz="3600" dirty="0"/>
           </a:p>
@@ -11604,7 +11640,11 @@
             </a:r>
             <a:r>
               <a:rPr lang="ja-JP" altLang="en-US" sz="3200" dirty="0" smtClean="0"/>
-              <a:t>である</a:t>
+              <a:t>で</a:t>
+            </a:r>
+            <a:r>
+              <a:rPr lang="ja-JP" altLang="en-US" sz="3200" dirty="0" smtClean="0"/>
+              <a:t>ある．</a:t>
             </a:r>
             <a:endParaRPr kumimoji="1" lang="en-US" altLang="ja-JP" sz="3200" dirty="0" smtClean="0"/>
           </a:p>
@@ -12375,7 +12415,17 @@
                   </a:schemeClr>
                 </a:solidFill>
               </a:rPr>
-              <a:t>開発過程がわかる</a:t>
+              <a:t>開発過程が</a:t>
+            </a:r>
+            <a:r>
+              <a:rPr kumimoji="1" lang="ja-JP" altLang="en-US" sz="4800" dirty="0" smtClean="0">
+                <a:solidFill>
+                  <a:schemeClr val="accent2">
+                    <a:lumMod val="75000"/>
+                  </a:schemeClr>
+                </a:solidFill>
+              </a:rPr>
+              <a:t>わかる．</a:t>
             </a:r>
             <a:endParaRPr kumimoji="1" lang="ja-JP" altLang="en-US" sz="4800" dirty="0">
               <a:solidFill>
@@ -12417,7 +12467,17 @@
                   </a:schemeClr>
                 </a:solidFill>
               </a:rPr>
-              <a:t>開発者同士のコミュニケーションの様子がわかる</a:t>
+              <a:t>開発者同士のコミュニケーションの様子が</a:t>
+            </a:r>
+            <a:r>
+              <a:rPr kumimoji="1" lang="ja-JP" altLang="en-US" sz="4800" dirty="0" smtClean="0">
+                <a:solidFill>
+                  <a:schemeClr val="accent2">
+                    <a:lumMod val="75000"/>
+                  </a:schemeClr>
+                </a:solidFill>
+              </a:rPr>
+              <a:t>わかる．</a:t>
             </a:r>
             <a:endParaRPr kumimoji="1" lang="ja-JP" altLang="en-US" sz="4800" dirty="0">
               <a:solidFill>
@@ -12436,7 +12496,7 @@
           <p:nvPr>
             <p:extLst>
               <p:ext uri="{D42A27DB-BD31-4B8C-83A1-F6EECF244321}">
-                <p14:modId xmlns:p14="http://schemas.microsoft.com/office/powerpoint/2010/main" val="3790501211"/>
+                <p14:modId xmlns:p14="http://schemas.microsoft.com/office/powerpoint/2010/main" val="2714328453"/>
               </p:ext>
             </p:extLst>
           </p:nvPr>
@@ -12531,74 +12591,6 @@
           <a:p>
             <a:pPr algn="ctr"/>
             <a:endParaRPr kumimoji="1" lang="ja-JP" altLang="en-US" dirty="0"/>
-          </a:p>
-        </p:txBody>
-      </p:sp>
-      <p:sp>
-        <p:nvSpPr>
-          <p:cNvPr id="26" name="テキスト ボックス 25"/>
-          <p:cNvSpPr txBox="1"/>
-          <p:nvPr/>
-        </p:nvSpPr>
-        <p:spPr>
-          <a:xfrm>
-            <a:off x="15408781" y="6816091"/>
-            <a:ext cx="2015176" cy="461665"/>
-          </a:xfrm>
-          <a:prstGeom prst="rect">
-            <a:avLst/>
-          </a:prstGeom>
-          <a:noFill/>
-        </p:spPr>
-        <p:txBody>
-          <a:bodyPr wrap="square" rtlCol="0">
-            <a:spAutoFit/>
-          </a:bodyPr>
-          <a:lstStyle/>
-          <a:p>
-            <a:r>
-              <a:rPr kumimoji="1" lang="en-US" altLang="ja-JP" sz="2400" dirty="0" err="1" smtClean="0"/>
-              <a:t>Git</a:t>
-            </a:r>
-            <a:endParaRPr kumimoji="1" lang="ja-JP" altLang="en-US" sz="2400" dirty="0"/>
-          </a:p>
-        </p:txBody>
-      </p:sp>
-      <p:sp>
-        <p:nvSpPr>
-          <p:cNvPr id="140" name="テキスト ボックス 139"/>
-          <p:cNvSpPr txBox="1"/>
-          <p:nvPr/>
-        </p:nvSpPr>
-        <p:spPr>
-          <a:xfrm>
-            <a:off x="15185705" y="11053761"/>
-            <a:ext cx="2015176" cy="461665"/>
-          </a:xfrm>
-          <a:prstGeom prst="rect">
-            <a:avLst/>
-          </a:prstGeom>
-          <a:noFill/>
-        </p:spPr>
-        <p:txBody>
-          <a:bodyPr wrap="square" rtlCol="0">
-            <a:spAutoFit/>
-          </a:bodyPr>
-          <a:lstStyle/>
-          <a:p>
-            <a:r>
-              <a:rPr kumimoji="1" lang="en-US" altLang="ja-JP" sz="2400" dirty="0" smtClean="0"/>
-              <a:t>Pull</a:t>
-            </a:r>
-            <a:r>
-              <a:rPr kumimoji="1" lang="ja-JP" altLang="en-US" sz="2400" dirty="0" smtClean="0"/>
-              <a:t>　</a:t>
-            </a:r>
-            <a:r>
-              <a:rPr kumimoji="1" lang="en-US" altLang="ja-JP" sz="2400" dirty="0" smtClean="0"/>
-              <a:t>Request</a:t>
-            </a:r>
-            <a:endParaRPr kumimoji="1" lang="ja-JP" altLang="en-US" sz="2400" dirty="0"/>
           </a:p>
         </p:txBody>
       </p:sp>
@@ -12722,8 +12714,8 @@
         </p:nvSpPr>
         <p:spPr>
           <a:xfrm>
-            <a:off x="19324097" y="10539584"/>
-            <a:ext cx="2015176" cy="461665"/>
+            <a:off x="17423958" y="10765449"/>
+            <a:ext cx="3770334" cy="461665"/>
           </a:xfrm>
           <a:prstGeom prst="rect">
             <a:avLst/>
@@ -12736,14 +12728,24 @@
           </a:bodyPr>
           <a:lstStyle/>
           <a:p>
-            <a:r>
-              <a:rPr kumimoji="1" lang="ja-JP" altLang="en-US" sz="2400" dirty="0" smtClean="0"/>
+            <a:pPr lvl="0"/>
+            <a:r>
+              <a:rPr lang="ja-JP" altLang="en-US" sz="2400" dirty="0" smtClean="0"/>
               <a:t>図</a:t>
             </a:r>
             <a:r>
-              <a:rPr kumimoji="1" lang="en-US" altLang="ja-JP" sz="2400" dirty="0" smtClean="0"/>
-              <a:t>ⅰ</a:t>
-            </a:r>
+              <a:rPr lang="en-US" altLang="ja-JP" sz="2400" dirty="0" err="1" smtClean="0"/>
+              <a:t>ⅰGI</a:t>
+            </a:r>
+            <a:r>
+              <a:rPr lang="ja-JP" altLang="en-US" sz="2400" dirty="0" err="1" smtClean="0"/>
+              <a:t>ｔ</a:t>
+            </a:r>
+            <a:r>
+              <a:rPr lang="ja-JP" altLang="en-US" sz="2400" dirty="0" smtClean="0"/>
+              <a:t>のコミットの仕方</a:t>
+            </a:r>
+            <a:endParaRPr lang="en-US" altLang="ja-JP" sz="2400" dirty="0" smtClean="0"/>
           </a:p>
         </p:txBody>
       </p:sp>
@@ -12755,8 +12757,8 @@
         </p:nvSpPr>
         <p:spPr>
           <a:xfrm>
-            <a:off x="19371624" y="13804039"/>
-            <a:ext cx="2015176" cy="461665"/>
+            <a:off x="16658308" y="14021793"/>
+            <a:ext cx="4589576" cy="461665"/>
           </a:xfrm>
           <a:prstGeom prst="rect">
             <a:avLst/>
@@ -12769,15 +12771,20 @@
           </a:bodyPr>
           <a:lstStyle/>
           <a:p>
-            <a:r>
-              <a:rPr kumimoji="1" lang="ja-JP" altLang="en-US" sz="2400" dirty="0" smtClean="0"/>
+            <a:pPr lvl="0"/>
+            <a:r>
+              <a:rPr lang="ja-JP" altLang="en-US" sz="2400" dirty="0"/>
               <a:t>図</a:t>
             </a:r>
             <a:r>
-              <a:rPr lang="en-US" altLang="ja-JP" sz="2400" dirty="0"/>
+              <a:rPr lang="en-US" altLang="ja-JP" sz="2400" dirty="0" smtClean="0"/>
               <a:t>ⅱ</a:t>
             </a:r>
-            <a:endParaRPr kumimoji="1" lang="en-US" altLang="ja-JP" sz="2400" dirty="0" smtClean="0"/>
+            <a:r>
+              <a:rPr lang="ja-JP" altLang="en-US" sz="2400" dirty="0" smtClean="0"/>
+              <a:t>　複数人での開発の場合</a:t>
+            </a:r>
+            <a:endParaRPr lang="ja-JP" altLang="en-US" sz="2400" dirty="0"/>
           </a:p>
         </p:txBody>
       </p:sp>
@@ -12868,7 +12875,7 @@
         <p:spPr>
           <a:xfrm>
             <a:off x="13585301" y="14423194"/>
-            <a:ext cx="6733551" cy="3381090"/>
+            <a:ext cx="7117211" cy="3381090"/>
           </a:xfrm>
           <a:prstGeom prst="wedgeEllipseCallout">
             <a:avLst>
@@ -12960,14 +12967,14 @@
           <p:nvPr>
             <p:extLst>
               <p:ext uri="{D42A27DB-BD31-4B8C-83A1-F6EECF244321}">
-                <p14:modId xmlns:p14="http://schemas.microsoft.com/office/powerpoint/2010/main" val="43607139"/>
+                <p14:modId xmlns:p14="http://schemas.microsoft.com/office/powerpoint/2010/main" val="4198039332"/>
               </p:ext>
             </p:extLst>
           </p:nvPr>
         </p:nvGraphicFramePr>
         <p:xfrm>
-          <a:off x="9641164" y="25698213"/>
-          <a:ext cx="11491845" cy="4467679"/>
+          <a:off x="9516777" y="25725163"/>
+          <a:ext cx="11491845" cy="4343306"/>
         </p:xfrm>
         <a:graphic>
           <a:graphicData uri="http://schemas.openxmlformats.org/drawingml/2006/table">
@@ -12976,10 +12983,10 @@
                 <a:tableStyleId>{775DCB02-9BB8-47FD-8907-85C794F793BA}</a:tableStyleId>
               </a:tblPr>
               <a:tblGrid>
-                <a:gridCol w="3797792"/>
-                <a:gridCol w="7694053"/>
+                <a:gridCol w="3212476"/>
+                <a:gridCol w="8279369"/>
               </a:tblGrid>
-              <a:tr h="1227846">
+              <a:tr h="609707">
                 <a:tc>
                   <a:txBody>
                     <a:bodyPr/>
@@ -13042,10 +13049,14 @@
                     <a:lstStyle/>
                     <a:p>
                       <a:r>
-                        <a:rPr kumimoji="1" lang="ja-JP" altLang="en-US" sz="4400" dirty="0" smtClean="0"/>
-                        <a:t>マネジメントの実態調査</a:t>
+                        <a:rPr kumimoji="1" lang="en-US" altLang="ja-JP" sz="3200" dirty="0" smtClean="0"/>
+                        <a:t>OSS</a:t>
                       </a:r>
-                      <a:endParaRPr kumimoji="1" lang="en-US" altLang="ja-JP" sz="4400" dirty="0" smtClean="0"/>
+                      <a:r>
+                        <a:rPr kumimoji="1" lang="ja-JP" altLang="en-US" sz="3200" dirty="0" smtClean="0"/>
+                        <a:t>プロジェクトの実態を調査</a:t>
+                      </a:r>
+                      <a:endParaRPr kumimoji="1" lang="en-US" altLang="ja-JP" sz="3200" dirty="0" smtClean="0"/>
                     </a:p>
                   </a:txBody>
                   <a:tcPr/>
@@ -13076,10 +13087,26 @@
                     <a:lstStyle/>
                     <a:p>
                       <a:r>
-                        <a:rPr kumimoji="1" lang="ja-JP" altLang="en-US" sz="4400" dirty="0" smtClean="0"/>
-                        <a:t>実証分析結果を算出・統計</a:t>
+                        <a:rPr kumimoji="1" lang="ja-JP" altLang="en-US" sz="3200" dirty="0" smtClean="0"/>
+                        <a:t>分析</a:t>
                       </a:r>
-                      <a:endParaRPr kumimoji="1" lang="ja-JP" altLang="en-US" sz="4400" dirty="0"/>
+                      <a:r>
+                        <a:rPr kumimoji="1" lang="ja-JP" altLang="en-US" sz="3200" dirty="0" smtClean="0"/>
+                        <a:t>結果</a:t>
+                      </a:r>
+                      <a:r>
+                        <a:rPr kumimoji="1" lang="ja-JP" altLang="en-US" sz="3200" dirty="0" smtClean="0"/>
+                        <a:t>を統計あるいはデータマイニング手法で解析し，解析されたデータをもとに</a:t>
+                      </a:r>
+                      <a:r>
+                        <a:rPr kumimoji="1" lang="en-US" altLang="ja-JP" sz="3200" dirty="0" smtClean="0"/>
+                        <a:t>PM</a:t>
+                      </a:r>
+                      <a:r>
+                        <a:rPr kumimoji="1" lang="ja-JP" altLang="en-US" sz="3200" dirty="0" smtClean="0"/>
+                        <a:t>手法の考察</a:t>
+                      </a:r>
+                      <a:endParaRPr kumimoji="1" lang="ja-JP" altLang="en-US" sz="3200" dirty="0"/>
                     </a:p>
                   </a:txBody>
                   <a:tcPr/>
@@ -13092,14 +13119,26 @@
                     <a:lstStyle/>
                     <a:p>
                       <a:r>
-                        <a:rPr kumimoji="1" lang="en-US" altLang="ja-JP" sz="4400" dirty="0" smtClean="0"/>
-                        <a:t>12</a:t>
+                        <a:rPr kumimoji="1" lang="en-US" altLang="ja-JP" sz="4000" dirty="0" smtClean="0"/>
+                        <a:t>2014</a:t>
                       </a:r>
                       <a:r>
-                        <a:rPr kumimoji="1" lang="ja-JP" altLang="en-US" sz="4400" dirty="0" smtClean="0"/>
-                        <a:t>月～</a:t>
+                        <a:rPr kumimoji="1" lang="ja-JP" altLang="en-US" sz="4000" dirty="0" smtClean="0"/>
+                        <a:t>年</a:t>
                       </a:r>
-                      <a:endParaRPr kumimoji="1" lang="ja-JP" altLang="en-US" sz="4400" dirty="0"/>
+                      <a:r>
+                        <a:rPr kumimoji="1" lang="en-US" altLang="ja-JP" sz="4000" dirty="0" smtClean="0"/>
+                        <a:t>1</a:t>
+                      </a:r>
+                      <a:r>
+                        <a:rPr kumimoji="1" lang="ja-JP" altLang="en-US" sz="4000" dirty="0" smtClean="0"/>
+                        <a:t>月</a:t>
+                      </a:r>
+                      <a:r>
+                        <a:rPr kumimoji="1" lang="ja-JP" altLang="en-US" sz="4000" dirty="0" smtClean="0"/>
+                        <a:t>～</a:t>
+                      </a:r>
+                      <a:endParaRPr kumimoji="1" lang="ja-JP" altLang="en-US" sz="4000" dirty="0"/>
                     </a:p>
                   </a:txBody>
                   <a:tcPr/>
@@ -13110,10 +13149,10 @@
                     <a:lstStyle/>
                     <a:p>
                       <a:r>
-                        <a:rPr kumimoji="1" lang="ja-JP" altLang="en-US" sz="4400" dirty="0" smtClean="0"/>
-                        <a:t>論文執筆</a:t>
+                        <a:rPr kumimoji="1" lang="ja-JP" altLang="en-US" sz="3200" dirty="0" smtClean="0"/>
+                        <a:t>論文の執筆，発表資料の作成</a:t>
                       </a:r>
-                      <a:endParaRPr kumimoji="1" lang="ja-JP" altLang="en-US" sz="4400" dirty="0"/>
+                      <a:endParaRPr kumimoji="1" lang="ja-JP" altLang="en-US" sz="3200" dirty="0"/>
                     </a:p>
                   </a:txBody>
                   <a:tcPr/>
@@ -13156,6 +13195,7 @@
             <a:endParaRPr kumimoji="1" lang="en-US" altLang="ja-JP" sz="3600" dirty="0" smtClean="0"/>
           </a:p>
           <a:p>
+            <a:pPr lvl="0"/>
             <a:r>
               <a:rPr lang="en-US" altLang="ja-JP" sz="3600" dirty="0" smtClean="0"/>
               <a:t>‣</a:t>
@@ -13169,6 +13209,10 @@
               <a:t>　</a:t>
             </a:r>
             <a:r>
+              <a:rPr lang="ja-JP" altLang="en-US" sz="2400" dirty="0"/>
+              <a:t>（</a:t>
+            </a:r>
+            <a:r>
               <a:rPr lang="ja-JP" altLang="en-US" sz="2400" dirty="0" smtClean="0"/>
               <a:t>図</a:t>
             </a:r>
@@ -13176,7 +13220,11 @@
               <a:rPr lang="en-US" altLang="ja-JP" sz="2400" dirty="0" smtClean="0"/>
               <a:t>ⅲ</a:t>
             </a:r>
-            <a:endParaRPr kumimoji="1" lang="en-US" altLang="ja-JP" sz="2400" dirty="0" smtClean="0"/>
+            <a:r>
+              <a:rPr lang="ja-JP" altLang="en-US" sz="2400" dirty="0" smtClean="0"/>
+              <a:t>）</a:t>
+            </a:r>
+            <a:endParaRPr lang="ja-JP" altLang="en-US" sz="2400" dirty="0"/>
           </a:p>
         </p:txBody>
       </p:sp>
@@ -13260,7 +13308,11 @@
             </a:r>
             <a:r>
               <a:rPr kumimoji="1" lang="ja-JP" altLang="en-US" sz="3600" dirty="0" smtClean="0"/>
-              <a:t>で行われているプロジェクトを調査</a:t>
+              <a:t>で行われているプロジェクトを</a:t>
+            </a:r>
+            <a:r>
+              <a:rPr kumimoji="1" lang="ja-JP" altLang="en-US" sz="3600" dirty="0" smtClean="0"/>
+              <a:t>調査．</a:t>
             </a:r>
             <a:endParaRPr kumimoji="1" lang="ja-JP" altLang="en-US" sz="3600" dirty="0"/>
           </a:p>
@@ -13274,8 +13326,8 @@
         </p:nvSpPr>
         <p:spPr>
           <a:xfrm>
-            <a:off x="6769474" y="11899426"/>
-            <a:ext cx="2428500" cy="1754326"/>
+            <a:off x="6769474" y="11784818"/>
+            <a:ext cx="2428500" cy="2308324"/>
           </a:xfrm>
           <a:prstGeom prst="rect">
             <a:avLst/>
@@ -13290,22 +13342,11 @@
           <a:p>
             <a:r>
               <a:rPr kumimoji="1" lang="ja-JP" altLang="en-US" sz="3600" dirty="0" smtClean="0"/>
-              <a:t>調査した情報を</a:t>
-            </a:r>
-            <a:r>
-              <a:rPr lang="ja-JP" altLang="en-US" sz="3600" dirty="0"/>
-              <a:t>もと</a:t>
-            </a:r>
-            <a:r>
-              <a:rPr kumimoji="1" lang="ja-JP" altLang="en-US" sz="3600" dirty="0" smtClean="0"/>
-              <a:t>に</a:t>
-            </a:r>
-            <a:endParaRPr kumimoji="1" lang="en-US" altLang="ja-JP" sz="3600" dirty="0" smtClean="0"/>
-          </a:p>
-          <a:p>
+              <a:t>プロジェクトについてのデータを抽出</a:t>
+            </a:r>
             <a:r>
               <a:rPr lang="ja-JP" altLang="en-US" sz="3600" dirty="0" smtClean="0"/>
-              <a:t>データ化</a:t>
+              <a:t>．</a:t>
             </a:r>
             <a:endParaRPr kumimoji="1" lang="ja-JP" altLang="en-US" sz="3600" dirty="0"/>
           </a:p>
@@ -13335,7 +13376,11 @@
           <a:p>
             <a:r>
               <a:rPr kumimoji="1" lang="ja-JP" altLang="en-US" sz="3600" dirty="0" smtClean="0"/>
-              <a:t>抽出したデータをもとに解析，推測</a:t>
+              <a:t>抽出したデータをもとに解析，</a:t>
+            </a:r>
+            <a:r>
+              <a:rPr kumimoji="1" lang="ja-JP" altLang="en-US" sz="3600" dirty="0" smtClean="0"/>
+              <a:t>推測．</a:t>
             </a:r>
             <a:endParaRPr kumimoji="1" lang="ja-JP" altLang="en-US" sz="3600" dirty="0"/>
           </a:p>
@@ -13452,7 +13497,7 @@
         </p:nvSpPr>
         <p:spPr>
           <a:xfrm>
-            <a:off x="9625450" y="24801677"/>
+            <a:off x="9593164" y="24401567"/>
             <a:ext cx="4442742" cy="984885"/>
           </a:xfrm>
           <a:prstGeom prst="rect">
@@ -13584,7 +13629,7 @@
             </a:r>
             <a:r>
               <a:rPr lang="ja-JP" altLang="en-US" sz="4400" dirty="0" smtClean="0"/>
-              <a:t>ある</a:t>
+              <a:t>ある．</a:t>
             </a:r>
             <a:endParaRPr kumimoji="1" lang="ja-JP" altLang="en-US" sz="4400" dirty="0"/>
           </a:p>
@@ -13630,7 +13675,7 @@
             </a:r>
             <a:r>
               <a:rPr lang="ja-JP" altLang="en-US" sz="4400" dirty="0" smtClean="0"/>
-              <a:t>する</a:t>
+              <a:t>する．</a:t>
             </a:r>
             <a:endParaRPr kumimoji="1" lang="ja-JP" altLang="en-US" sz="4400" dirty="0"/>
           </a:p>
@@ -13661,134 +13706,6 @@
           <a:xfrm>
             <a:off x="189886" y="686682"/>
             <a:ext cx="5207000" cy="1547813"/>
-          </a:xfrm>
-          <a:prstGeom prst="rect">
-            <a:avLst/>
-          </a:prstGeom>
-          <a:noFill/>
-          <a:ln>
-            <a:noFill/>
-          </a:ln>
-          <a:effectLst/>
-          <a:extLst>
-            <a:ext uri="{909E8E84-426E-40DD-AFC4-6F175D3DCCD1}">
-              <a14:hiddenFill xmlns:a14="http://schemas.microsoft.com/office/drawing/2010/main">
-                <a:solidFill>
-                  <a:schemeClr val="accent1"/>
-                </a:solidFill>
-              </a14:hiddenFill>
-            </a:ext>
-            <a:ext uri="{91240B29-F687-4F45-9708-019B960494DF}">
-              <a14:hiddenLine xmlns:a14="http://schemas.microsoft.com/office/drawing/2010/main" w="9525">
-                <a:solidFill>
-                  <a:schemeClr val="tx1"/>
-                </a:solidFill>
-                <a:miter lim="800000"/>
-                <a:headEnd/>
-                <a:tailEnd/>
-              </a14:hiddenLine>
-            </a:ext>
-            <a:ext uri="{AF507438-7753-43E0-B8FC-AC1667EBCBE1}">
-              <a14:hiddenEffects xmlns:a14="http://schemas.microsoft.com/office/drawing/2010/main">
-                <a:effectLst>
-                  <a:outerShdw dist="35921" dir="2700000" algn="ctr" rotWithShape="0">
-                    <a:schemeClr val="bg2"/>
-                  </a:outerShdw>
-                </a:effectLst>
-              </a14:hiddenEffects>
-            </a:ext>
-          </a:extLst>
-        </p:spPr>
-      </p:pic>
-      <p:pic>
-        <p:nvPicPr>
-          <p:cNvPr id="2051" name="Picture 3"/>
-          <p:cNvPicPr>
-            <a:picLocks noChangeAspect="1" noChangeArrowheads="1"/>
-          </p:cNvPicPr>
-          <p:nvPr/>
-        </p:nvPicPr>
-        <p:blipFill>
-          <a:blip r:embed="rId9">
-            <a:extLst>
-              <a:ext uri="{28A0092B-C50C-407E-A947-70E740481C1C}">
-                <a14:useLocalDpi xmlns:a14="http://schemas.microsoft.com/office/drawing/2010/main" val="0"/>
-              </a:ext>
-            </a:extLst>
-          </a:blip>
-          <a:srcRect/>
-          <a:stretch>
-            <a:fillRect/>
-          </a:stretch>
-        </p:blipFill>
-        <p:spPr bwMode="auto">
-          <a:xfrm>
-            <a:off x="601634" y="1971411"/>
-            <a:ext cx="20380325" cy="2432050"/>
-          </a:xfrm>
-          <a:prstGeom prst="rect">
-            <a:avLst/>
-          </a:prstGeom>
-          <a:noFill/>
-          <a:ln>
-            <a:noFill/>
-          </a:ln>
-          <a:effectLst/>
-          <a:extLst>
-            <a:ext uri="{909E8E84-426E-40DD-AFC4-6F175D3DCCD1}">
-              <a14:hiddenFill xmlns:a14="http://schemas.microsoft.com/office/drawing/2010/main">
-                <a:solidFill>
-                  <a:schemeClr val="accent1"/>
-                </a:solidFill>
-              </a14:hiddenFill>
-            </a:ext>
-            <a:ext uri="{91240B29-F687-4F45-9708-019B960494DF}">
-              <a14:hiddenLine xmlns:a14="http://schemas.microsoft.com/office/drawing/2010/main" w="9525">
-                <a:solidFill>
-                  <a:schemeClr val="tx1"/>
-                </a:solidFill>
-                <a:miter lim="800000"/>
-                <a:headEnd/>
-                <a:tailEnd/>
-              </a14:hiddenLine>
-            </a:ext>
-            <a:ext uri="{AF507438-7753-43E0-B8FC-AC1667EBCBE1}">
-              <a14:hiddenEffects xmlns:a14="http://schemas.microsoft.com/office/drawing/2010/main">
-                <a:effectLst>
-                  <a:outerShdw dist="35921" dir="2700000" algn="ctr" rotWithShape="0">
-                    <a:schemeClr val="bg2"/>
-                  </a:outerShdw>
-                </a:effectLst>
-              </a14:hiddenEffects>
-            </a:ext>
-          </a:extLst>
-        </p:spPr>
-      </p:pic>
-      <p:pic>
-        <p:nvPicPr>
-          <p:cNvPr id="2052" name="Picture 4"/>
-          <p:cNvPicPr>
-            <a:picLocks noChangeAspect="1" noChangeArrowheads="1"/>
-          </p:cNvPicPr>
-          <p:nvPr/>
-        </p:nvPicPr>
-        <p:blipFill>
-          <a:blip r:embed="rId10">
-            <a:extLst>
-              <a:ext uri="{28A0092B-C50C-407E-A947-70E740481C1C}">
-                <a14:useLocalDpi xmlns:a14="http://schemas.microsoft.com/office/drawing/2010/main" val="0"/>
-              </a:ext>
-            </a:extLst>
-          </a:blip>
-          <a:srcRect/>
-          <a:stretch>
-            <a:fillRect/>
-          </a:stretch>
-        </p:blipFill>
-        <p:spPr bwMode="auto">
-          <a:xfrm>
-            <a:off x="521841" y="4403461"/>
-            <a:ext cx="18253075" cy="1622425"/>
           </a:xfrm>
           <a:prstGeom prst="rect">
             <a:avLst/>
@@ -13885,11 +13802,7 @@
             </a:r>
             <a:r>
               <a:rPr lang="ja-JP" altLang="en-US" sz="5400" dirty="0" smtClean="0"/>
-              <a:t>参照し</a:t>
-            </a:r>
-            <a:r>
-              <a:rPr lang="ja-JP" altLang="en-US" sz="5400" dirty="0" smtClean="0"/>
-              <a:t>，</a:t>
+              <a:t>参照し，</a:t>
             </a:r>
             <a:endParaRPr lang="en-US" altLang="ja-JP" sz="5400" dirty="0" smtClean="0"/>
           </a:p>
@@ -13913,11 +13826,11 @@
             </a:r>
             <a:r>
               <a:rPr lang="ja-JP" altLang="en-US" sz="5400" dirty="0" smtClean="0"/>
-              <a:t>手法が行われているのか</a:t>
+              <a:t>手法が行われているのかを明らかに</a:t>
             </a:r>
             <a:r>
               <a:rPr lang="ja-JP" altLang="en-US" sz="5400" dirty="0" smtClean="0"/>
-              <a:t>を明らかにさせる</a:t>
+              <a:t>させる．</a:t>
             </a:r>
             <a:endParaRPr lang="ja-JP" altLang="en-US" sz="5400" dirty="0"/>
           </a:p>
@@ -13996,7 +13909,7 @@
           <p:nvPr/>
         </p:nvPicPr>
         <p:blipFill>
-          <a:blip r:embed="rId11">
+          <a:blip r:embed="rId9">
             <a:extLst>
               <a:ext uri="{28A0092B-C50C-407E-A947-70E740481C1C}">
                 <a14:useLocalDpi xmlns:a14="http://schemas.microsoft.com/office/drawing/2010/main" val="0"/>
@@ -14067,7 +13980,7 @@
           <p:nvPr/>
         </p:nvPicPr>
         <p:blipFill>
-          <a:blip r:embed="rId12">
+          <a:blip r:embed="rId10">
             <a:extLst>
               <a:ext uri="{28A0092B-C50C-407E-A947-70E740481C1C}">
                 <a14:useLocalDpi xmlns:a14="http://schemas.microsoft.com/office/drawing/2010/main" val="0"/>
@@ -14131,7 +14044,7 @@
           <p:nvPr/>
         </p:nvPicPr>
         <p:blipFill>
-          <a:blip r:embed="rId13">
+          <a:blip r:embed="rId11">
             <a:extLst>
               <a:ext uri="{28A0092B-C50C-407E-A947-70E740481C1C}">
                 <a14:useLocalDpi xmlns:a14="http://schemas.microsoft.com/office/drawing/2010/main" val="0"/>
@@ -14256,18 +14169,28 @@
             <a:endParaRPr lang="en-US" altLang="ja-JP" sz="3200" dirty="0" smtClean="0"/>
           </a:p>
           <a:p>
+            <a:pPr lvl="0"/>
             <a:r>
               <a:rPr lang="ja-JP" altLang="en-US" sz="3200" dirty="0" smtClean="0"/>
               <a:t>　ロジェクト </a:t>
             </a:r>
             <a:r>
+              <a:rPr lang="ja-JP" altLang="en-US" sz="2400" dirty="0"/>
+              <a:t>（</a:t>
+            </a:r>
+            <a:r>
               <a:rPr lang="ja-JP" altLang="en-US" sz="2400" dirty="0" smtClean="0"/>
               <a:t>図</a:t>
             </a:r>
             <a:r>
-              <a:rPr lang="en-US" altLang="ja-JP" sz="2400" dirty="0"/>
+              <a:rPr lang="en-US" altLang="ja-JP" sz="2400" dirty="0" smtClean="0"/>
               <a:t>ⅳ</a:t>
             </a:r>
+            <a:r>
+              <a:rPr lang="ja-JP" altLang="en-US" sz="2400" dirty="0" smtClean="0"/>
+              <a:t>）</a:t>
+            </a:r>
+            <a:endParaRPr lang="ja-JP" altLang="en-US" sz="2400" dirty="0"/>
           </a:p>
           <a:p>
             <a:r>
@@ -14276,11 +14199,19 @@
             </a:r>
             <a:r>
               <a:rPr lang="en-US" altLang="ja-JP" sz="4000" dirty="0" err="1" smtClean="0"/>
-              <a:t>cms</a:t>
+              <a:t>RefineryCMS</a:t>
+            </a:r>
+            <a:r>
+              <a:rPr lang="ja-JP" altLang="en-US" sz="3200" dirty="0" smtClean="0"/>
+              <a:t>プロジェクト</a:t>
             </a:r>
             <a:r>
               <a:rPr lang="ja-JP" altLang="en-US" sz="3600" dirty="0" smtClean="0"/>
-              <a:t>開発プロジェクト・・・</a:t>
+              <a:t>・</a:t>
+            </a:r>
+            <a:r>
+              <a:rPr lang="ja-JP" altLang="en-US" sz="3600" dirty="0" smtClean="0"/>
+              <a:t>・・</a:t>
             </a:r>
             <a:endParaRPr lang="en-US" altLang="ja-JP" sz="3600" dirty="0" smtClean="0"/>
           </a:p>
@@ -14298,7 +14229,7 @@
           <p:nvPr/>
         </p:nvPicPr>
         <p:blipFill>
-          <a:blip r:embed="rId14">
+          <a:blip r:embed="rId12">
             <a:extLst>
               <a:ext uri="{28A0092B-C50C-407E-A947-70E740481C1C}">
                 <a14:useLocalDpi xmlns:a14="http://schemas.microsoft.com/office/drawing/2010/main" val="0"/>
@@ -14376,7 +14307,79 @@
               <a:rPr kumimoji="1" lang="en-US" altLang="ja-JP" sz="2400" dirty="0" err="1" smtClean="0"/>
               <a:t>gitlabhp</a:t>
             </a:r>
+            <a:r>
+              <a:rPr kumimoji="1" lang="ja-JP" altLang="en-US" sz="2400" dirty="0" smtClean="0"/>
+              <a:t>プロジェクトのトップ画面</a:t>
+            </a:r>
             <a:endParaRPr kumimoji="1" lang="ja-JP" altLang="en-US" sz="2400" dirty="0"/>
+          </a:p>
+        </p:txBody>
+      </p:sp>
+      <p:sp>
+        <p:nvSpPr>
+          <p:cNvPr id="3" name="テキスト ボックス 2"/>
+          <p:cNvSpPr txBox="1"/>
+          <p:nvPr/>
+        </p:nvSpPr>
+        <p:spPr>
+          <a:xfrm>
+            <a:off x="808691" y="2234495"/>
+            <a:ext cx="18270343" cy="1877437"/>
+          </a:xfrm>
+          <a:prstGeom prst="rect">
+            <a:avLst/>
+          </a:prstGeom>
+          <a:noFill/>
+        </p:spPr>
+        <p:txBody>
+          <a:bodyPr wrap="square" rtlCol="0">
+            <a:spAutoFit/>
+          </a:bodyPr>
+          <a:lstStyle/>
+          <a:p>
+            <a:r>
+              <a:rPr kumimoji="1" lang="en-US" altLang="ja-JP" dirty="0" smtClean="0"/>
+              <a:t>‣OSS</a:t>
+            </a:r>
+            <a:r>
+              <a:rPr kumimoji="1" lang="ja-JP" altLang="en-US" dirty="0" smtClean="0"/>
+              <a:t>プロジェクトにおけるプロジェクトマネジメントの実態を明らかにする．</a:t>
+            </a:r>
+            <a:endParaRPr kumimoji="1" lang="ja-JP" altLang="en-US" dirty="0"/>
+          </a:p>
+        </p:txBody>
+      </p:sp>
+      <p:sp>
+        <p:nvSpPr>
+          <p:cNvPr id="8" name="テキスト ボックス 7"/>
+          <p:cNvSpPr txBox="1"/>
+          <p:nvPr/>
+        </p:nvSpPr>
+        <p:spPr>
+          <a:xfrm>
+            <a:off x="808691" y="4338787"/>
+            <a:ext cx="18116501" cy="984885"/>
+          </a:xfrm>
+          <a:prstGeom prst="rect">
+            <a:avLst/>
+          </a:prstGeom>
+          <a:noFill/>
+        </p:spPr>
+        <p:txBody>
+          <a:bodyPr wrap="square" rtlCol="0">
+            <a:spAutoFit/>
+          </a:bodyPr>
+          <a:lstStyle/>
+          <a:p>
+            <a:r>
+              <a:rPr kumimoji="1" lang="en-US" altLang="ja-JP" dirty="0" smtClean="0"/>
+              <a:t>‣OSS</a:t>
+            </a:r>
+            <a:r>
+              <a:rPr kumimoji="1" lang="ja-JP" altLang="en-US" dirty="0" smtClean="0"/>
+              <a:t>プロジェクトの課題やリスクを明らかにする．</a:t>
+            </a:r>
+            <a:endParaRPr kumimoji="1" lang="ja-JP" altLang="en-US" dirty="0"/>
           </a:p>
         </p:txBody>
       </p:sp>

--- a/卒業論文/2012/関口元基/卒論中間ポスター。.pptx
+++ b/卒業論文/2012/関口元基/卒論中間ポスター。.pptx
@@ -1893,11 +1893,7 @@
         <a:p>
           <a:r>
             <a:rPr kumimoji="1" lang="ja-JP" altLang="en-US" sz="3600" dirty="0" smtClean="0"/>
-            <a:t>バグ報告や機能の追加方向性の議論などに</a:t>
-          </a:r>
-          <a:r>
-            <a:rPr kumimoji="1" lang="ja-JP" altLang="en-US" sz="3600" dirty="0" smtClean="0"/>
-            <a:t>使われる．</a:t>
+            <a:t>バグ報告や機能の追加方向性の議論などに使われる．</a:t>
           </a:r>
           <a:endParaRPr kumimoji="1" lang="ja-JP" altLang="en-US" sz="3600" dirty="0"/>
         </a:p>
@@ -2016,11 +2012,7 @@
           </a:r>
           <a:r>
             <a:rPr kumimoji="1" lang="ja-JP" altLang="en-US" sz="3600" dirty="0" smtClean="0"/>
-            <a:t>した変更や機能を追加</a:t>
-          </a:r>
-          <a:r>
-            <a:rPr kumimoji="1" lang="ja-JP" altLang="en-US" sz="3600" dirty="0" smtClean="0"/>
-            <a:t>する．</a:t>
+            <a:t>した変更や機能を追加する．</a:t>
           </a:r>
           <a:r>
             <a:rPr kumimoji="1" lang="ja-JP" altLang="en-US" sz="2400" dirty="0" smtClean="0"/>
@@ -2069,11 +2061,7 @@
         <a:p>
           <a:r>
             <a:rPr kumimoji="1" lang="ja-JP" altLang="en-US" sz="3600" dirty="0" smtClean="0"/>
-            <a:t>リポジトリを公開すればだれでもそのリポジトリを複製して開発に参加</a:t>
-          </a:r>
-          <a:r>
-            <a:rPr kumimoji="1" lang="ja-JP" altLang="en-US" sz="3600" dirty="0" smtClean="0"/>
-            <a:t>できる．</a:t>
+            <a:t>リポジトリを公開すればだれでもそのリポジトリを複製して開発に参加できる．</a:t>
           </a:r>
           <a:r>
             <a:rPr kumimoji="1" lang="ja-JP" altLang="en-US" sz="2400" dirty="0" smtClean="0"/>
@@ -2943,11 +2931,7 @@
           </a:pPr>
           <a:r>
             <a:rPr kumimoji="1" lang="ja-JP" altLang="en-US" sz="3600" kern="1200" dirty="0" smtClean="0"/>
-            <a:t>リポジトリを公開すればだれでもそのリポジトリを複製して開発に参加</a:t>
-          </a:r>
-          <a:r>
-            <a:rPr kumimoji="1" lang="ja-JP" altLang="en-US" sz="3600" kern="1200" dirty="0" smtClean="0"/>
-            <a:t>できる．</a:t>
+            <a:t>リポジトリを公開すればだれでもそのリポジトリを複製して開発に参加できる．</a:t>
           </a:r>
           <a:r>
             <a:rPr kumimoji="1" lang="ja-JP" altLang="en-US" sz="2400" kern="1200" dirty="0" smtClean="0"/>
@@ -3194,11 +3178,7 @@
           </a:pPr>
           <a:r>
             <a:rPr kumimoji="1" lang="ja-JP" altLang="en-US" sz="3600" kern="1200" dirty="0" smtClean="0"/>
-            <a:t>バグ報告や機能の追加方向性の議論などに</a:t>
-          </a:r>
-          <a:r>
-            <a:rPr kumimoji="1" lang="ja-JP" altLang="en-US" sz="3600" kern="1200" dirty="0" smtClean="0"/>
-            <a:t>使われる．</a:t>
+            <a:t>バグ報告や機能の追加方向性の議論などに使われる．</a:t>
           </a:r>
           <a:endParaRPr kumimoji="1" lang="ja-JP" altLang="en-US" sz="3600" kern="1200" dirty="0"/>
         </a:p>
@@ -3441,11 +3421,7 @@
           </a:r>
           <a:r>
             <a:rPr kumimoji="1" lang="ja-JP" altLang="en-US" sz="3600" kern="1200" dirty="0" smtClean="0"/>
-            <a:t>した変更や機能を追加</a:t>
-          </a:r>
-          <a:r>
-            <a:rPr kumimoji="1" lang="ja-JP" altLang="en-US" sz="3600" kern="1200" dirty="0" smtClean="0"/>
-            <a:t>する．</a:t>
+            <a:t>した変更や機能を追加する．</a:t>
           </a:r>
           <a:r>
             <a:rPr kumimoji="1" lang="ja-JP" altLang="en-US" sz="2400" kern="1200" dirty="0" smtClean="0"/>
@@ -11544,11 +11520,7 @@
             </a:r>
             <a:r>
               <a:rPr kumimoji="1" lang="ja-JP" altLang="en-US" sz="3600" dirty="0" smtClean="0"/>
-              <a:t>がよく利用されて</a:t>
-            </a:r>
-            <a:r>
-              <a:rPr kumimoji="1" lang="ja-JP" altLang="en-US" sz="3600" dirty="0" smtClean="0"/>
-              <a:t>いる．</a:t>
+              <a:t>がよく利用されている．</a:t>
             </a:r>
             <a:endParaRPr kumimoji="1" lang="ja-JP" altLang="en-US" sz="3600" dirty="0"/>
           </a:p>
@@ -11640,11 +11612,7 @@
             </a:r>
             <a:r>
               <a:rPr lang="ja-JP" altLang="en-US" sz="3200" dirty="0" smtClean="0"/>
-              <a:t>で</a:t>
-            </a:r>
-            <a:r>
-              <a:rPr lang="ja-JP" altLang="en-US" sz="3200" dirty="0" smtClean="0"/>
-              <a:t>ある．</a:t>
+              <a:t>である．</a:t>
             </a:r>
             <a:endParaRPr kumimoji="1" lang="en-US" altLang="ja-JP" sz="3200" dirty="0" smtClean="0"/>
           </a:p>
@@ -12415,17 +12383,7 @@
                   </a:schemeClr>
                 </a:solidFill>
               </a:rPr>
-              <a:t>開発過程が</a:t>
-            </a:r>
-            <a:r>
-              <a:rPr kumimoji="1" lang="ja-JP" altLang="en-US" sz="4800" dirty="0" smtClean="0">
-                <a:solidFill>
-                  <a:schemeClr val="accent2">
-                    <a:lumMod val="75000"/>
-                  </a:schemeClr>
-                </a:solidFill>
-              </a:rPr>
-              <a:t>わかる．</a:t>
+              <a:t>開発過程がわかる．</a:t>
             </a:r>
             <a:endParaRPr kumimoji="1" lang="ja-JP" altLang="en-US" sz="4800" dirty="0">
               <a:solidFill>
@@ -12467,17 +12425,7 @@
                   </a:schemeClr>
                 </a:solidFill>
               </a:rPr>
-              <a:t>開発者同士のコミュニケーションの様子が</a:t>
-            </a:r>
-            <a:r>
-              <a:rPr kumimoji="1" lang="ja-JP" altLang="en-US" sz="4800" dirty="0" smtClean="0">
-                <a:solidFill>
-                  <a:schemeClr val="accent2">
-                    <a:lumMod val="75000"/>
-                  </a:schemeClr>
-                </a:solidFill>
-              </a:rPr>
-              <a:t>わかる．</a:t>
+              <a:t>開発者同士のコミュニケーションの様子がわかる．</a:t>
             </a:r>
             <a:endParaRPr kumimoji="1" lang="ja-JP" altLang="en-US" sz="4800" dirty="0">
               <a:solidFill>
@@ -12848,8 +12796,8 @@
         </p:blipFill>
         <p:spPr bwMode="auto">
           <a:xfrm>
-            <a:off x="12848566" y="18037682"/>
-            <a:ext cx="8538233" cy="6175313"/>
+            <a:off x="78033" y="14085444"/>
+            <a:ext cx="10162570" cy="5735064"/>
           </a:xfrm>
           <a:prstGeom prst="rect">
             <a:avLst/>
@@ -13088,15 +13036,7 @@
                     <a:p>
                       <a:r>
                         <a:rPr kumimoji="1" lang="ja-JP" altLang="en-US" sz="3200" dirty="0" smtClean="0"/>
-                        <a:t>分析</a:t>
-                      </a:r>
-                      <a:r>
-                        <a:rPr kumimoji="1" lang="ja-JP" altLang="en-US" sz="3200" dirty="0" smtClean="0"/>
-                        <a:t>結果</a:t>
-                      </a:r>
-                      <a:r>
-                        <a:rPr kumimoji="1" lang="ja-JP" altLang="en-US" sz="3200" dirty="0" smtClean="0"/>
-                        <a:t>を統計あるいはデータマイニング手法で解析し，解析されたデータをもとに</a:t>
+                        <a:t>分析結果を統計あるいはデータマイニング手法で解析し，解析されたデータをもとに</a:t>
                       </a:r>
                       <a:r>
                         <a:rPr kumimoji="1" lang="en-US" altLang="ja-JP" sz="3200" dirty="0" smtClean="0"/>
@@ -13132,11 +13072,7 @@
                       </a:r>
                       <a:r>
                         <a:rPr kumimoji="1" lang="ja-JP" altLang="en-US" sz="4000" dirty="0" smtClean="0"/>
-                        <a:t>月</a:t>
-                      </a:r>
-                      <a:r>
-                        <a:rPr kumimoji="1" lang="ja-JP" altLang="en-US" sz="4000" dirty="0" smtClean="0"/>
-                        <a:t>～</a:t>
+                        <a:t>月～</a:t>
                       </a:r>
                       <a:endParaRPr kumimoji="1" lang="ja-JP" altLang="en-US" sz="4000" dirty="0"/>
                     </a:p>
@@ -13208,22 +13144,6 @@
               <a:rPr lang="ja-JP" altLang="en-US" sz="3600" dirty="0" smtClean="0"/>
               <a:t>　</a:t>
             </a:r>
-            <a:r>
-              <a:rPr lang="ja-JP" altLang="en-US" sz="2400" dirty="0"/>
-              <a:t>（</a:t>
-            </a:r>
-            <a:r>
-              <a:rPr lang="ja-JP" altLang="en-US" sz="2400" dirty="0" smtClean="0"/>
-              <a:t>図</a:t>
-            </a:r>
-            <a:r>
-              <a:rPr lang="en-US" altLang="ja-JP" sz="2400" dirty="0" smtClean="0"/>
-              <a:t>ⅲ</a:t>
-            </a:r>
-            <a:r>
-              <a:rPr lang="ja-JP" altLang="en-US" sz="2400" dirty="0" smtClean="0"/>
-              <a:t>）</a:t>
-            </a:r>
             <a:endParaRPr lang="ja-JP" altLang="en-US" sz="2400" dirty="0"/>
           </a:p>
         </p:txBody>
@@ -13308,11 +13228,7 @@
             </a:r>
             <a:r>
               <a:rPr kumimoji="1" lang="ja-JP" altLang="en-US" sz="3600" dirty="0" smtClean="0"/>
-              <a:t>で行われているプロジェクトを</a:t>
-            </a:r>
-            <a:r>
-              <a:rPr kumimoji="1" lang="ja-JP" altLang="en-US" sz="3600" dirty="0" smtClean="0"/>
-              <a:t>調査．</a:t>
+              <a:t>で行われているプロジェクトを調査．</a:t>
             </a:r>
             <a:endParaRPr kumimoji="1" lang="ja-JP" altLang="en-US" sz="3600" dirty="0"/>
           </a:p>
@@ -13376,11 +13292,7 @@
           <a:p>
             <a:r>
               <a:rPr kumimoji="1" lang="ja-JP" altLang="en-US" sz="3600" dirty="0" smtClean="0"/>
-              <a:t>抽出したデータをもとに解析，</a:t>
-            </a:r>
-            <a:r>
-              <a:rPr kumimoji="1" lang="ja-JP" altLang="en-US" sz="3600" dirty="0" smtClean="0"/>
-              <a:t>推測．</a:t>
+              <a:t>抽出したデータをもとに解析，推測．</a:t>
             </a:r>
             <a:endParaRPr kumimoji="1" lang="ja-JP" altLang="en-US" sz="3600" dirty="0"/>
           </a:p>
@@ -13826,77 +13738,9 @@
             </a:r>
             <a:r>
               <a:rPr lang="ja-JP" altLang="en-US" sz="5400" dirty="0" smtClean="0"/>
-              <a:t>手法が行われているのかを明らかに</a:t>
-            </a:r>
-            <a:r>
-              <a:rPr lang="ja-JP" altLang="en-US" sz="5400" dirty="0" smtClean="0"/>
-              <a:t>させる．</a:t>
+              <a:t>手法が行われているのかを明らかにさせる．</a:t>
             </a:r>
             <a:endParaRPr lang="ja-JP" altLang="en-US" sz="5400" dirty="0"/>
-          </a:p>
-        </p:txBody>
-      </p:sp>
-      <p:sp>
-        <p:nvSpPr>
-          <p:cNvPr id="23" name="テキスト ボックス 22"/>
-          <p:cNvSpPr txBox="1"/>
-          <p:nvPr/>
-        </p:nvSpPr>
-        <p:spPr>
-          <a:xfrm>
-            <a:off x="6448190" y="19485592"/>
-            <a:ext cx="6400376" cy="523220"/>
-          </a:xfrm>
-          <a:prstGeom prst="rect">
-            <a:avLst/>
-          </a:prstGeom>
-          <a:noFill/>
-        </p:spPr>
-        <p:txBody>
-          <a:bodyPr wrap="square" rtlCol="0">
-            <a:spAutoFit/>
-          </a:bodyPr>
-          <a:lstStyle/>
-          <a:p>
-            <a:r>
-              <a:rPr lang="ja-JP" altLang="en-US" sz="2000" dirty="0" smtClean="0">
-                <a:latin typeface="+mj-ea"/>
-              </a:rPr>
-              <a:t>図</a:t>
-            </a:r>
-            <a:r>
-              <a:rPr lang="en-US" altLang="ja-JP" sz="2000" dirty="0">
-                <a:latin typeface="+mj-ea"/>
-              </a:rPr>
-              <a:t>ⅲ</a:t>
-            </a:r>
-            <a:r>
-              <a:rPr lang="ja-JP" altLang="en-US" sz="2000" dirty="0" smtClean="0">
-                <a:latin typeface="+mj-ea"/>
-              </a:rPr>
-              <a:t> </a:t>
-            </a:r>
-            <a:r>
-              <a:rPr lang="en-US" altLang="ja-JP" sz="2800" dirty="0" err="1" smtClean="0"/>
-              <a:t>Octoboard</a:t>
-            </a:r>
-            <a:r>
-              <a:rPr lang="en-US" altLang="ja-JP" sz="2800" dirty="0" smtClean="0"/>
-              <a:t> Repositories</a:t>
-            </a:r>
-            <a:r>
-              <a:rPr lang="ja-JP" altLang="en-US" sz="2800" dirty="0" smtClean="0"/>
-              <a:t>　</a:t>
-            </a:r>
-            <a:r>
-              <a:rPr lang="en-US" altLang="ja-JP" sz="2800" dirty="0" smtClean="0"/>
-              <a:t>in </a:t>
-            </a:r>
-            <a:r>
-              <a:rPr lang="en-US" altLang="ja-JP" sz="2800" dirty="0"/>
-              <a:t>October</a:t>
-            </a:r>
-            <a:endParaRPr lang="en-US" altLang="ja-JP" sz="2800" dirty="0" smtClean="0"/>
           </a:p>
         </p:txBody>
       </p:sp>
@@ -13941,36 +13785,6 @@
           </a:extLst>
         </p:spPr>
       </p:pic>
-      <p:cxnSp>
-        <p:nvCxnSpPr>
-          <p:cNvPr id="37" name="直線コネクタ 36"/>
-          <p:cNvCxnSpPr/>
-          <p:nvPr/>
-        </p:nvCxnSpPr>
-        <p:spPr>
-          <a:xfrm>
-            <a:off x="231610" y="14381703"/>
-            <a:ext cx="0" cy="4962024"/>
-          </a:xfrm>
-          <a:prstGeom prst="line">
-            <a:avLst/>
-          </a:prstGeom>
-        </p:spPr>
-        <p:style>
-          <a:lnRef idx="1">
-            <a:schemeClr val="accent1"/>
-          </a:lnRef>
-          <a:fillRef idx="0">
-            <a:schemeClr val="accent1"/>
-          </a:fillRef>
-          <a:effectRef idx="0">
-            <a:schemeClr val="accent1"/>
-          </a:effectRef>
-          <a:fontRef idx="minor">
-            <a:schemeClr val="tx1"/>
-          </a:fontRef>
-        </p:style>
-      </p:cxnSp>
       <p:pic>
         <p:nvPicPr>
           <p:cNvPr id="2054" name="Picture 6"/>
@@ -14138,7 +13952,7 @@
         <p:spPr>
           <a:xfrm>
             <a:off x="14329027" y="15782150"/>
-            <a:ext cx="6804968" cy="2369880"/>
+            <a:ext cx="6804968" cy="2431435"/>
           </a:xfrm>
           <a:prstGeom prst="rect">
             <a:avLst/>
@@ -14150,51 +13964,40 @@
           </a:bodyPr>
           <a:lstStyle/>
           <a:p>
-            <a:r>
-              <a:rPr lang="en-US" altLang="ja-JP" sz="4000" dirty="0"/>
-              <a:t>‣Ruby on </a:t>
-            </a:r>
+            <a:pPr lvl="0"/>
             <a:r>
               <a:rPr lang="en-US" altLang="ja-JP" sz="4000" dirty="0" smtClean="0"/>
-              <a:t>Rails3</a:t>
-            </a:r>
-            <a:r>
-              <a:rPr lang="ja-JP" altLang="en-US" sz="4000" dirty="0" smtClean="0"/>
-              <a:t>　</a:t>
-            </a:r>
-            <a:r>
-              <a:rPr lang="ja-JP" altLang="en-US" sz="3200" dirty="0" smtClean="0"/>
-              <a:t>アプリ開発プ　　</a:t>
-            </a:r>
-            <a:endParaRPr lang="en-US" altLang="ja-JP" sz="3200" dirty="0" smtClean="0"/>
-          </a:p>
-          <a:p>
-            <a:pPr lvl="0"/>
-            <a:r>
-              <a:rPr lang="ja-JP" altLang="en-US" sz="3200" dirty="0" smtClean="0"/>
-              <a:t>　ロジェクト </a:t>
-            </a:r>
-            <a:r>
-              <a:rPr lang="ja-JP" altLang="en-US" sz="2400" dirty="0"/>
-              <a:t>（</a:t>
-            </a:r>
-            <a:r>
-              <a:rPr lang="ja-JP" altLang="en-US" sz="2400" dirty="0" smtClean="0"/>
-              <a:t>図</a:t>
-            </a:r>
-            <a:r>
-              <a:rPr lang="en-US" altLang="ja-JP" sz="2400" dirty="0" smtClean="0"/>
-              <a:t>ⅳ</a:t>
-            </a:r>
-            <a:r>
-              <a:rPr lang="ja-JP" altLang="en-US" sz="2400" dirty="0" smtClean="0"/>
+              <a:t>‣</a:t>
+            </a:r>
+            <a:r>
+              <a:rPr lang="en-US" altLang="ja-JP" sz="4000" dirty="0" err="1" smtClean="0"/>
+              <a:t>Gitlab</a:t>
+            </a:r>
+            <a:r>
+              <a:rPr lang="en-US" altLang="ja-JP" sz="4000" dirty="0" smtClean="0"/>
+              <a:t> </a:t>
+            </a:r>
+            <a:r>
+              <a:rPr lang="ja-JP" altLang="en-US" sz="3200" dirty="0"/>
+              <a:t>プロジェクト</a:t>
+            </a:r>
+            <a:r>
+              <a:rPr lang="ja-JP" altLang="en-US" sz="2800" dirty="0"/>
+              <a:t>（図</a:t>
+            </a:r>
+            <a:r>
+              <a:rPr lang="en-US" altLang="ja-JP" sz="2800" dirty="0"/>
+              <a:t>ⅲ</a:t>
+            </a:r>
+            <a:r>
+              <a:rPr lang="ja-JP" altLang="en-US" sz="2800" dirty="0" smtClean="0"/>
               <a:t>）</a:t>
             </a:r>
-            <a:endParaRPr lang="ja-JP" altLang="en-US" sz="2400" dirty="0"/>
-          </a:p>
-          <a:p>
-            <a:r>
-              <a:rPr lang="en-US" altLang="ja-JP" sz="4000" dirty="0"/>
+            <a:endParaRPr lang="en-US" altLang="ja-JP" sz="2800" dirty="0" smtClean="0"/>
+          </a:p>
+          <a:p>
+            <a:r>
+              <a:rPr lang="en-US" altLang="ja-JP" sz="4000" dirty="0" smtClean="0"/>
               <a:t>‣</a:t>
             </a:r>
             <a:r>
@@ -14202,8 +14005,27 @@
               <a:t>RefineryCMS</a:t>
             </a:r>
             <a:r>
+              <a:rPr lang="ja-JP" altLang="en-US" sz="3200" dirty="0"/>
+              <a:t>プロジェクト</a:t>
+            </a:r>
+            <a:r>
+              <a:rPr lang="ja-JP" altLang="en-US" sz="2800" dirty="0"/>
+              <a:t>（図</a:t>
+            </a:r>
+            <a:r>
+              <a:rPr lang="en-US" altLang="ja-JP" sz="2800" dirty="0"/>
+              <a:t>ⅳ</a:t>
+            </a:r>
+            <a:r>
+              <a:rPr lang="ja-JP" altLang="en-US" sz="2800" dirty="0" smtClean="0"/>
+              <a:t>）</a:t>
+            </a:r>
+            <a:endParaRPr lang="en-US" altLang="ja-JP" sz="3200" dirty="0" smtClean="0"/>
+          </a:p>
+          <a:p>
+            <a:r>
               <a:rPr lang="ja-JP" altLang="en-US" sz="3200" dirty="0" smtClean="0"/>
-              <a:t>プロジェクト</a:t>
+              <a:t>　　　　　　　　など</a:t>
             </a:r>
             <a:r>
               <a:rPr lang="ja-JP" altLang="en-US" sz="3600" dirty="0" smtClean="0"/>
@@ -14220,47 +14042,6 @@
           </a:p>
         </p:txBody>
       </p:sp>
-      <p:pic>
-        <p:nvPicPr>
-          <p:cNvPr id="2053" name="Picture 5" descr="D:\新しいフォルダー\キャプチャ1.PNG"/>
-          <p:cNvPicPr>
-            <a:picLocks noChangeAspect="1" noChangeArrowheads="1"/>
-          </p:cNvPicPr>
-          <p:nvPr/>
-        </p:nvPicPr>
-        <p:blipFill>
-          <a:blip r:embed="rId12">
-            <a:extLst>
-              <a:ext uri="{28A0092B-C50C-407E-A947-70E740481C1C}">
-                <a14:useLocalDpi xmlns:a14="http://schemas.microsoft.com/office/drawing/2010/main" val="0"/>
-              </a:ext>
-            </a:extLst>
-          </a:blip>
-          <a:srcRect/>
-          <a:stretch>
-            <a:fillRect/>
-          </a:stretch>
-        </p:blipFill>
-        <p:spPr bwMode="auto">
-          <a:xfrm>
-            <a:off x="277640" y="14423194"/>
-            <a:ext cx="12983668" cy="4933370"/>
-          </a:xfrm>
-          <a:prstGeom prst="rect">
-            <a:avLst/>
-          </a:prstGeom>
-          <a:noFill/>
-          <a:extLst>
-            <a:ext uri="{909E8E84-426E-40DD-AFC4-6F175D3DCCD1}">
-              <a14:hiddenFill xmlns:a14="http://schemas.microsoft.com/office/drawing/2010/main">
-                <a:solidFill>
-                  <a:srgbClr val="FFFFFF"/>
-                </a:solidFill>
-              </a14:hiddenFill>
-            </a:ext>
-          </a:extLst>
-        </p:spPr>
-      </p:pic>
       <p:sp>
         <p:nvSpPr>
           <p:cNvPr id="7" name="テキスト ボックス 6"/>
@@ -14269,7 +14050,7 @@
         </p:nvSpPr>
         <p:spPr>
           <a:xfrm>
-            <a:off x="14068192" y="24401567"/>
+            <a:off x="3920416" y="19851805"/>
             <a:ext cx="7065803" cy="461665"/>
           </a:xfrm>
           <a:prstGeom prst="rect">
@@ -14289,7 +14070,7 @@
             </a:r>
             <a:r>
               <a:rPr lang="en-US" altLang="ja-JP" sz="2400" dirty="0"/>
-              <a:t>ⅳ</a:t>
+              <a:t>ⅲ</a:t>
             </a:r>
             <a:r>
               <a:rPr kumimoji="1" lang="ja-JP" altLang="en-US" sz="2400" dirty="0" smtClean="0"/>
@@ -14380,6 +14161,101 @@
               <a:t>プロジェクトの課題やリスクを明らかにする．</a:t>
             </a:r>
             <a:endParaRPr kumimoji="1" lang="ja-JP" altLang="en-US" dirty="0"/>
+          </a:p>
+        </p:txBody>
+      </p:sp>
+      <p:pic>
+        <p:nvPicPr>
+          <p:cNvPr id="12" name="Picture 2" descr="C:\Users\Genki\Desktop\キャプチャ.PNG"/>
+          <p:cNvPicPr>
+            <a:picLocks noChangeAspect="1" noChangeArrowheads="1"/>
+          </p:cNvPicPr>
+          <p:nvPr/>
+        </p:nvPicPr>
+        <p:blipFill>
+          <a:blip r:embed="rId12">
+            <a:extLst>
+              <a:ext uri="{28A0092B-C50C-407E-A947-70E740481C1C}">
+                <a14:useLocalDpi xmlns:a14="http://schemas.microsoft.com/office/drawing/2010/main" val="0"/>
+              </a:ext>
+            </a:extLst>
+          </a:blip>
+          <a:srcRect/>
+          <a:stretch>
+            <a:fillRect/>
+          </a:stretch>
+        </p:blipFill>
+        <p:spPr bwMode="auto">
+          <a:xfrm>
+            <a:off x="10240603" y="18201704"/>
+            <a:ext cx="11146197" cy="5731638"/>
+          </a:xfrm>
+          <a:prstGeom prst="rect">
+            <a:avLst/>
+          </a:prstGeom>
+          <a:noFill/>
+          <a:extLst>
+            <a:ext uri="{909E8E84-426E-40DD-AFC4-6F175D3DCCD1}">
+              <a14:hiddenFill xmlns:a14="http://schemas.microsoft.com/office/drawing/2010/main">
+                <a:solidFill>
+                  <a:srgbClr val="FFFFFF"/>
+                </a:solidFill>
+              </a14:hiddenFill>
+            </a:ext>
+          </a:extLst>
+        </p:spPr>
+      </p:pic>
+      <p:sp>
+        <p:nvSpPr>
+          <p:cNvPr id="33" name="テキスト ボックス 32"/>
+          <p:cNvSpPr txBox="1"/>
+          <p:nvPr/>
+        </p:nvSpPr>
+        <p:spPr>
+          <a:xfrm>
+            <a:off x="13558149" y="23968801"/>
+            <a:ext cx="7065803" cy="461665"/>
+          </a:xfrm>
+          <a:prstGeom prst="rect">
+            <a:avLst/>
+          </a:prstGeom>
+          <a:noFill/>
+        </p:spPr>
+        <p:txBody>
+          <a:bodyPr wrap="square" rtlCol="0">
+            <a:spAutoFit/>
+          </a:bodyPr>
+          <a:lstStyle/>
+          <a:p>
+            <a:r>
+              <a:rPr kumimoji="1" lang="ja-JP" altLang="en-US" sz="2400" dirty="0" smtClean="0"/>
+              <a:t>図</a:t>
+            </a:r>
+            <a:r>
+              <a:rPr lang="en-US" altLang="ja-JP" sz="2400" dirty="0"/>
+              <a:t>ⅳ</a:t>
+            </a:r>
+            <a:r>
+              <a:rPr kumimoji="1" lang="ja-JP" altLang="en-US" sz="2400" dirty="0" smtClean="0"/>
+              <a:t>　</a:t>
+            </a:r>
+            <a:r>
+              <a:rPr kumimoji="1" lang="en-US" altLang="ja-JP" sz="2400" dirty="0" err="1" smtClean="0"/>
+              <a:t>RefineryCMS</a:t>
+            </a:r>
+            <a:r>
+              <a:rPr kumimoji="1" lang="en-US" altLang="ja-JP" sz="2400" dirty="0" smtClean="0"/>
+              <a:t>  </a:t>
+            </a:r>
+            <a:r>
+              <a:rPr kumimoji="1" lang="ja-JP" altLang="en-US" sz="2400" dirty="0" smtClean="0"/>
+              <a:t>プロジェクト</a:t>
+            </a:r>
+            <a:r>
+              <a:rPr kumimoji="1" lang="ja-JP" altLang="en-US" sz="2400" dirty="0" smtClean="0"/>
+              <a:t>のトップ画面</a:t>
+            </a:r>
+            <a:endParaRPr kumimoji="1" lang="ja-JP" altLang="en-US" sz="2400" dirty="0"/>
           </a:p>
         </p:txBody>
       </p:sp>

--- a/卒業論文/2012/関口元基/卒論中間ポスター。.pptx
+++ b/卒業論文/2012/関口元基/卒論中間ポスター。.pptx
@@ -2569,7 +2569,7 @@
   <dgm:whole/>
   <dgm:extLst>
     <a:ext uri="http://schemas.microsoft.com/office/drawing/2008/diagram">
-      <dsp:dataModelExt xmlns:dsp="http://schemas.microsoft.com/office/drawing/2008/diagram" relId="rId7" minVer="http://schemas.openxmlformats.org/drawingml/2006/diagram"/>
+      <dsp:dataModelExt xmlns:dsp="http://schemas.microsoft.com/office/drawing/2008/diagram" relId="rId6" minVer="http://schemas.openxmlformats.org/drawingml/2006/diagram"/>
     </a:ext>
   </dgm:extLst>
 </dgm:dataModel>
@@ -12773,47 +12773,6 @@
           <a:chExt cx="0" cy="0"/>
         </a:xfrm>
       </p:grpSpPr>
-      <p:pic>
-        <p:nvPicPr>
-          <p:cNvPr id="1026" name="Picture 2" descr="C:\Users\Genki\Desktop\キャプチャ.PNG"/>
-          <p:cNvPicPr>
-            <a:picLocks noChangeAspect="1" noChangeArrowheads="1"/>
-          </p:cNvPicPr>
-          <p:nvPr/>
-        </p:nvPicPr>
-        <p:blipFill>
-          <a:blip r:embed="rId2">
-            <a:extLst>
-              <a:ext uri="{28A0092B-C50C-407E-A947-70E740481C1C}">
-                <a14:useLocalDpi xmlns:a14="http://schemas.microsoft.com/office/drawing/2010/main" val="0"/>
-              </a:ext>
-            </a:extLst>
-          </a:blip>
-          <a:srcRect/>
-          <a:stretch>
-            <a:fillRect/>
-          </a:stretch>
-        </p:blipFill>
-        <p:spPr bwMode="auto">
-          <a:xfrm>
-            <a:off x="78033" y="14085444"/>
-            <a:ext cx="10162570" cy="5735064"/>
-          </a:xfrm>
-          <a:prstGeom prst="rect">
-            <a:avLst/>
-          </a:prstGeom>
-          <a:noFill/>
-          <a:extLst>
-            <a:ext uri="{909E8E84-426E-40DD-AFC4-6F175D3DCCD1}">
-              <a14:hiddenFill xmlns:a14="http://schemas.microsoft.com/office/drawing/2010/main">
-                <a:solidFill>
-                  <a:srgbClr val="FFFFFF"/>
-                </a:solidFill>
-              </a14:hiddenFill>
-            </a:ext>
-          </a:extLst>
-        </p:spPr>
-      </p:pic>
       <p:sp>
         <p:nvSpPr>
           <p:cNvPr id="5" name="円形吹き出し 4"/>
@@ -12915,14 +12874,14 @@
           <p:nvPr>
             <p:extLst>
               <p:ext uri="{D42A27DB-BD31-4B8C-83A1-F6EECF244321}">
-                <p14:modId xmlns:p14="http://schemas.microsoft.com/office/powerpoint/2010/main" val="4198039332"/>
+                <p14:modId xmlns:p14="http://schemas.microsoft.com/office/powerpoint/2010/main" val="1839887345"/>
               </p:ext>
             </p:extLst>
           </p:nvPr>
         </p:nvGraphicFramePr>
         <p:xfrm>
           <a:off x="9516777" y="25725163"/>
-          <a:ext cx="11491845" cy="4343306"/>
+          <a:ext cx="11491845" cy="3879913"/>
         </p:xfrm>
         <a:graphic>
           <a:graphicData uri="http://schemas.openxmlformats.org/drawingml/2006/table">
@@ -13036,7 +12995,23 @@
                     <a:p>
                       <a:r>
                         <a:rPr kumimoji="1" lang="ja-JP" altLang="en-US" sz="3200" dirty="0" smtClean="0"/>
-                        <a:t>分析結果を統計あるいはデータマイニング手法で解析し，解析されたデータをもとに</a:t>
+                        <a:t>分析結果を統計あるいは</a:t>
+                      </a:r>
+                      <a:r>
+                        <a:rPr kumimoji="1" lang="ja-JP" altLang="en-US" sz="3200" dirty="0" smtClean="0"/>
+                        <a:t>データマイニングで</a:t>
+                      </a:r>
+                      <a:r>
+                        <a:rPr kumimoji="1" lang="ja-JP" altLang="en-US" sz="3200" dirty="0" smtClean="0"/>
+                        <a:t>解析し</a:t>
+                      </a:r>
+                      <a:r>
+                        <a:rPr kumimoji="1" lang="ja-JP" altLang="en-US" sz="3200" dirty="0" smtClean="0"/>
+                        <a:t>，解析されたデータ</a:t>
+                      </a:r>
+                      <a:r>
+                        <a:rPr kumimoji="1" lang="ja-JP" altLang="en-US" sz="3200" dirty="0" smtClean="0"/>
+                        <a:t>をもとに</a:t>
                       </a:r>
                       <a:r>
                         <a:rPr kumimoji="1" lang="en-US" altLang="ja-JP" sz="3200" dirty="0" smtClean="0"/>
@@ -13044,7 +13019,7 @@
                       </a:r>
                       <a:r>
                         <a:rPr kumimoji="1" lang="ja-JP" altLang="en-US" sz="3200" dirty="0" smtClean="0"/>
-                        <a:t>手法の考察</a:t>
+                        <a:t>手法を考察</a:t>
                       </a:r>
                       <a:endParaRPr kumimoji="1" lang="ja-JP" altLang="en-US" sz="3200" dirty="0"/>
                     </a:p>
@@ -13196,7 +13171,7 @@
         </p:xfrm>
         <a:graphic>
           <a:graphicData uri="http://schemas.openxmlformats.org/drawingml/2006/diagram">
-            <dgm:relIds xmlns:dgm="http://schemas.openxmlformats.org/drawingml/2006/diagram" xmlns:r="http://schemas.openxmlformats.org/officeDocument/2006/relationships" r:dm="rId3" r:lo="rId4" r:qs="rId5" r:cs="rId6"/>
+            <dgm:relIds xmlns:dgm="http://schemas.openxmlformats.org/drawingml/2006/diagram" xmlns:r="http://schemas.openxmlformats.org/officeDocument/2006/relationships" r:dm="rId2" r:lo="rId3" r:qs="rId4" r:cs="rId5"/>
           </a:graphicData>
         </a:graphic>
       </p:graphicFrame>
@@ -13228,7 +13203,11 @@
             </a:r>
             <a:r>
               <a:rPr kumimoji="1" lang="ja-JP" altLang="en-US" sz="3600" dirty="0" smtClean="0"/>
-              <a:t>で行われているプロジェクトを調査．</a:t>
+              <a:t>で行われているプロジェクトを</a:t>
+            </a:r>
+            <a:r>
+              <a:rPr kumimoji="1" lang="ja-JP" altLang="en-US" sz="3600" dirty="0" smtClean="0"/>
+              <a:t>調査する．</a:t>
             </a:r>
             <a:endParaRPr kumimoji="1" lang="ja-JP" altLang="en-US" sz="3600" dirty="0"/>
           </a:p>
@@ -13258,7 +13237,11 @@
           <a:p>
             <a:r>
               <a:rPr kumimoji="1" lang="ja-JP" altLang="en-US" sz="3600" dirty="0" smtClean="0"/>
-              <a:t>プロジェクトについてのデータを抽出</a:t>
+              <a:t>プロジェクトについてのデータを</a:t>
+            </a:r>
+            <a:r>
+              <a:rPr kumimoji="1" lang="ja-JP" altLang="en-US" sz="3600" dirty="0" smtClean="0"/>
+              <a:t>抽出する</a:t>
             </a:r>
             <a:r>
               <a:rPr lang="ja-JP" altLang="en-US" sz="3600" dirty="0" smtClean="0"/>
@@ -13292,7 +13275,11 @@
           <a:p>
             <a:r>
               <a:rPr kumimoji="1" lang="ja-JP" altLang="en-US" sz="3600" dirty="0" smtClean="0"/>
-              <a:t>抽出したデータをもとに解析，推測．</a:t>
+              <a:t>抽出したデータをもとに</a:t>
+            </a:r>
+            <a:r>
+              <a:rPr kumimoji="1" lang="ja-JP" altLang="en-US" sz="3600" dirty="0" smtClean="0"/>
+              <a:t>解析し，推測する．</a:t>
             </a:r>
             <a:endParaRPr kumimoji="1" lang="ja-JP" altLang="en-US" sz="3600" dirty="0"/>
           </a:p>
@@ -13336,7 +13323,7 @@
         </p:nvSpPr>
         <p:spPr>
           <a:xfrm>
-            <a:off x="461832" y="20082638"/>
+            <a:off x="189886" y="20143068"/>
             <a:ext cx="4857000" cy="984885"/>
           </a:xfrm>
           <a:prstGeom prst="rect">
@@ -13439,8 +13426,8 @@
         </p:nvSpPr>
         <p:spPr>
           <a:xfrm>
-            <a:off x="1" y="21146807"/>
-            <a:ext cx="9858691" cy="4154984"/>
+            <a:off x="-74087" y="21312405"/>
+            <a:ext cx="9858691" cy="3477875"/>
           </a:xfrm>
           <a:prstGeom prst="rect">
             <a:avLst/>
@@ -13495,7 +13482,7 @@
             </a:r>
             <a:r>
               <a:rPr lang="ja-JP" altLang="en-US" sz="4400" dirty="0" smtClean="0"/>
-              <a:t>いる</a:t>
+              <a:t>いる．</a:t>
             </a:r>
             <a:endParaRPr lang="en-US" altLang="ja-JP" sz="4400" dirty="0" smtClean="0"/>
           </a:p>
@@ -13518,14 +13505,7 @@
             </a:r>
             <a:r>
               <a:rPr lang="ja-JP" altLang="en-US" sz="4400" dirty="0" smtClean="0"/>
-              <a:t>，</a:t>
-            </a:r>
-            <a:endParaRPr lang="en-US" altLang="ja-JP" sz="4400" dirty="0" smtClean="0"/>
-          </a:p>
-          <a:p>
-            <a:r>
-              <a:rPr lang="ja-JP" altLang="en-US" sz="4400" dirty="0" smtClean="0"/>
-              <a:t>統計</a:t>
+              <a:t>，統計</a:t>
             </a:r>
             <a:r>
               <a:rPr lang="ja-JP" altLang="en-US" sz="4400" dirty="0"/>
@@ -13602,7 +13582,7 @@
           <p:nvPr/>
         </p:nvPicPr>
         <p:blipFill>
-          <a:blip r:embed="rId8">
+          <a:blip r:embed="rId7">
             <a:extLst>
               <a:ext uri="{28A0092B-C50C-407E-A947-70E740481C1C}">
                 <a14:useLocalDpi xmlns:a14="http://schemas.microsoft.com/office/drawing/2010/main" val="0"/>
@@ -13699,7 +13679,6 @@
             <a:endParaRPr lang="en-US" altLang="ja-JP" sz="4400" dirty="0" smtClean="0"/>
           </a:p>
           <a:p>
-            <a:pPr algn="ctr"/>
             <a:r>
               <a:rPr lang="ja-JP" altLang="en-US" sz="5400" dirty="0" smtClean="0"/>
               <a:t>解析したデータを</a:t>
@@ -13714,15 +13693,22 @@
             </a:r>
             <a:r>
               <a:rPr lang="ja-JP" altLang="en-US" sz="5400" dirty="0" smtClean="0"/>
-              <a:t>参照し，</a:t>
+              <a:t>参照し</a:t>
+            </a:r>
+            <a:r>
+              <a:rPr lang="ja-JP" altLang="en-US" sz="5400" dirty="0" smtClean="0"/>
+              <a:t>，</a:t>
             </a:r>
             <a:endParaRPr lang="en-US" altLang="ja-JP" sz="5400" dirty="0" smtClean="0"/>
           </a:p>
           <a:p>
-            <a:pPr algn="ctr"/>
             <a:r>
               <a:rPr lang="ja-JP" altLang="en-US" sz="5400" dirty="0" smtClean="0"/>
-              <a:t>実際にどの</a:t>
+              <a:t>実際</a:t>
+            </a:r>
+            <a:r>
+              <a:rPr lang="ja-JP" altLang="en-US" sz="5400" dirty="0" smtClean="0"/>
+              <a:t>にどの</a:t>
             </a:r>
             <a:r>
               <a:rPr lang="ja-JP" altLang="en-US" sz="5400" dirty="0"/>
@@ -13753,7 +13739,7 @@
           <p:nvPr/>
         </p:nvPicPr>
         <p:blipFill>
-          <a:blip r:embed="rId9">
+          <a:blip r:embed="rId8">
             <a:extLst>
               <a:ext uri="{28A0092B-C50C-407E-A947-70E740481C1C}">
                 <a14:useLocalDpi xmlns:a14="http://schemas.microsoft.com/office/drawing/2010/main" val="0"/>
@@ -13794,7 +13780,7 @@
           <p:nvPr/>
         </p:nvPicPr>
         <p:blipFill>
-          <a:blip r:embed="rId10">
+          <a:blip r:embed="rId9">
             <a:extLst>
               <a:ext uri="{28A0092B-C50C-407E-A947-70E740481C1C}">
                 <a14:useLocalDpi xmlns:a14="http://schemas.microsoft.com/office/drawing/2010/main" val="0"/>
@@ -13858,7 +13844,7 @@
           <p:nvPr/>
         </p:nvPicPr>
         <p:blipFill>
-          <a:blip r:embed="rId11">
+          <a:blip r:embed="rId10">
             <a:extLst>
               <a:ext uri="{28A0092B-C50C-407E-A947-70E740481C1C}">
                 <a14:useLocalDpi xmlns:a14="http://schemas.microsoft.com/office/drawing/2010/main" val="0"/>
@@ -14029,11 +14015,7 @@
             </a:r>
             <a:r>
               <a:rPr lang="ja-JP" altLang="en-US" sz="3600" dirty="0" smtClean="0"/>
-              <a:t>・</a:t>
-            </a:r>
-            <a:r>
-              <a:rPr lang="ja-JP" altLang="en-US" sz="3600" dirty="0" smtClean="0"/>
-              <a:t>・・</a:t>
+              <a:t>・・・</a:t>
             </a:r>
             <a:endParaRPr lang="en-US" altLang="ja-JP" sz="3600" dirty="0" smtClean="0"/>
           </a:p>
@@ -14050,7 +14032,7 @@
         </p:nvSpPr>
         <p:spPr>
           <a:xfrm>
-            <a:off x="3920416" y="19851805"/>
+            <a:off x="3920415" y="19985743"/>
             <a:ext cx="7065803" cy="461665"/>
           </a:xfrm>
           <a:prstGeom prst="rect">
@@ -14090,7 +14072,19 @@
             </a:r>
             <a:r>
               <a:rPr kumimoji="1" lang="ja-JP" altLang="en-US" sz="2400" dirty="0" smtClean="0"/>
-              <a:t>プロジェクトのトップ画面</a:t>
+              <a:t>プロジェクト</a:t>
+            </a:r>
+            <a:r>
+              <a:rPr kumimoji="1" lang="ja-JP" altLang="en-US" sz="2400" dirty="0" smtClean="0"/>
+              <a:t>の</a:t>
+            </a:r>
+            <a:r>
+              <a:rPr kumimoji="1" lang="en-US" altLang="ja-JP" sz="2400" dirty="0" smtClean="0"/>
+              <a:t>Issue</a:t>
+            </a:r>
+            <a:r>
+              <a:rPr kumimoji="1" lang="ja-JP" altLang="en-US" sz="2400" dirty="0" smtClean="0"/>
+              <a:t>の画面</a:t>
             </a:r>
             <a:endParaRPr kumimoji="1" lang="ja-JP" altLang="en-US" sz="2400" dirty="0"/>
           </a:p>
@@ -14173,7 +14167,7 @@
           <p:nvPr/>
         </p:nvPicPr>
         <p:blipFill>
-          <a:blip r:embed="rId12">
+          <a:blip r:embed="rId11">
             <a:extLst>
               <a:ext uri="{28A0092B-C50C-407E-A947-70E740481C1C}">
                 <a14:useLocalDpi xmlns:a14="http://schemas.microsoft.com/office/drawing/2010/main" val="0"/>
@@ -14249,16 +14243,53 @@
             </a:r>
             <a:r>
               <a:rPr kumimoji="1" lang="ja-JP" altLang="en-US" sz="2400" dirty="0" smtClean="0"/>
-              <a:t>プロジェクト</a:t>
-            </a:r>
-            <a:r>
-              <a:rPr kumimoji="1" lang="ja-JP" altLang="en-US" sz="2400" dirty="0" smtClean="0"/>
-              <a:t>のトップ画面</a:t>
+              <a:t>プロジェクトのトップ画面</a:t>
             </a:r>
             <a:endParaRPr kumimoji="1" lang="ja-JP" altLang="en-US" sz="2400" dirty="0"/>
           </a:p>
         </p:txBody>
       </p:sp>
+      <p:pic>
+        <p:nvPicPr>
+          <p:cNvPr id="14" name="Picture 2" descr="C:\Users\Genki\Desktop\キャプチャ.PNG"/>
+          <p:cNvPicPr>
+            <a:picLocks noChangeAspect="1" noChangeArrowheads="1"/>
+          </p:cNvPicPr>
+          <p:nvPr/>
+        </p:nvPicPr>
+        <p:blipFill>
+          <a:blip r:embed="rId12">
+            <a:extLst>
+              <a:ext uri="{28A0092B-C50C-407E-A947-70E740481C1C}">
+                <a14:useLocalDpi xmlns:a14="http://schemas.microsoft.com/office/drawing/2010/main" val="0"/>
+              </a:ext>
+            </a:extLst>
+          </a:blip>
+          <a:srcRect/>
+          <a:stretch>
+            <a:fillRect/>
+          </a:stretch>
+        </p:blipFill>
+        <p:spPr bwMode="auto">
+          <a:xfrm>
+            <a:off x="189886" y="14147809"/>
+            <a:ext cx="10224771" cy="5837934"/>
+          </a:xfrm>
+          <a:prstGeom prst="rect">
+            <a:avLst/>
+          </a:prstGeom>
+          <a:noFill/>
+          <a:extLst>
+            <a:ext uri="{909E8E84-426E-40DD-AFC4-6F175D3DCCD1}">
+              <a14:hiddenFill xmlns:a14="http://schemas.microsoft.com/office/drawing/2010/main">
+                <a:solidFill>
+                  <a:srgbClr val="FFFFFF"/>
+                </a:solidFill>
+              </a14:hiddenFill>
+            </a:ext>
+          </a:extLst>
+        </p:spPr>
+      </p:pic>
     </p:spTree>
     <p:extLst>
       <p:ext uri="{BB962C8B-B14F-4D97-AF65-F5344CB8AC3E}">
